--- a/Class 5.pptx
+++ b/Class 5.pptx
@@ -5,25 +5,31 @@
     <p:sldMasterId id="2147483672" r:id="rId1"/>
   </p:sldMasterIdLst>
   <p:notesMasterIdLst>
-    <p:notesMasterId r:id="rId18"/>
+    <p:notesMasterId r:id="rId24"/>
   </p:notesMasterIdLst>
   <p:sldIdLst>
     <p:sldId id="256" r:id="rId2"/>
-    <p:sldId id="370" r:id="rId3"/>
-    <p:sldId id="257" r:id="rId4"/>
-    <p:sldId id="260" r:id="rId5"/>
-    <p:sldId id="258" r:id="rId6"/>
-    <p:sldId id="259" r:id="rId7"/>
-    <p:sldId id="261" r:id="rId8"/>
-    <p:sldId id="263" r:id="rId9"/>
-    <p:sldId id="264" r:id="rId10"/>
-    <p:sldId id="262" r:id="rId11"/>
-    <p:sldId id="360" r:id="rId12"/>
-    <p:sldId id="362" r:id="rId13"/>
-    <p:sldId id="361" r:id="rId14"/>
-    <p:sldId id="371" r:id="rId15"/>
-    <p:sldId id="372" r:id="rId16"/>
-    <p:sldId id="369" r:id="rId17"/>
+    <p:sldId id="373" r:id="rId3"/>
+    <p:sldId id="374" r:id="rId4"/>
+    <p:sldId id="370" r:id="rId5"/>
+    <p:sldId id="257" r:id="rId6"/>
+    <p:sldId id="260" r:id="rId7"/>
+    <p:sldId id="258" r:id="rId8"/>
+    <p:sldId id="259" r:id="rId9"/>
+    <p:sldId id="261" r:id="rId10"/>
+    <p:sldId id="263" r:id="rId11"/>
+    <p:sldId id="264" r:id="rId12"/>
+    <p:sldId id="262" r:id="rId13"/>
+    <p:sldId id="369" r:id="rId14"/>
+    <p:sldId id="360" r:id="rId15"/>
+    <p:sldId id="362" r:id="rId16"/>
+    <p:sldId id="361" r:id="rId17"/>
+    <p:sldId id="371" r:id="rId18"/>
+    <p:sldId id="372" r:id="rId19"/>
+    <p:sldId id="328" r:id="rId20"/>
+    <p:sldId id="332" r:id="rId21"/>
+    <p:sldId id="333" r:id="rId22"/>
+    <p:sldId id="334" r:id="rId23"/>
   </p:sldIdLst>
   <p:sldSz cx="12192000" cy="6858000"/>
   <p:notesSz cx="6858000" cy="9144000"/>
@@ -212,7 +218,7 @@
           <a:p>
             <a:fld id="{91553857-FF24-F64E-8D31-96B246FE7FC7}" type="datetimeFigureOut">
               <a:rPr lang="en-US" smtClean="0"/>
-              <a:t>7/15/18</a:t>
+              <a:t>9/4/18</a:t>
             </a:fld>
             <a:endParaRPr lang="en-US"/>
           </a:p>
@@ -648,7 +654,7 @@
           <a:p>
             <a:fld id="{C42C6571-5E6A-784B-B936-D3B05221CD33}" type="datetimeFigureOut">
               <a:rPr lang="en-US" smtClean="0"/>
-              <a:t>7/15/18</a:t>
+              <a:t>9/4/18</a:t>
             </a:fld>
             <a:endParaRPr lang="en-US"/>
           </a:p>
@@ -973,7 +979,7 @@
           <a:p>
             <a:fld id="{C42C6571-5E6A-784B-B936-D3B05221CD33}" type="datetimeFigureOut">
               <a:rPr lang="en-US" smtClean="0"/>
-              <a:t>7/15/18</a:t>
+              <a:t>9/4/18</a:t>
             </a:fld>
             <a:endParaRPr lang="en-US"/>
           </a:p>
@@ -1148,7 +1154,7 @@
           <a:p>
             <a:fld id="{C42C6571-5E6A-784B-B936-D3B05221CD33}" type="datetimeFigureOut">
               <a:rPr lang="en-US" smtClean="0"/>
-              <a:t>7/15/18</a:t>
+              <a:t>9/4/18</a:t>
             </a:fld>
             <a:endParaRPr lang="en-US"/>
           </a:p>
@@ -1251,7 +1257,63 @@
             <a:spLocks noGrp="1"/>
           </p:cNvSpPr>
           <p:nvPr>
-            <p:ph idx="1"/>
+            <p:ph idx="1" hasCustomPrompt="1"/>
+          </p:nvPr>
+        </p:nvSpPr>
+        <p:spPr/>
+        <p:txBody>
+          <a:bodyPr/>
+          <a:lstStyle>
+            <a:lvl4pPr marL="688975" indent="-339725">
+              <a:tabLst/>
+              <a:defRPr/>
+            </a:lvl4pPr>
+          </a:lstStyle>
+          <a:p>
+            <a:pPr lvl="0"/>
+            <a:r>
+              <a:rPr lang="en-US" dirty="0"/>
+              <a:t>Click to edit Master text styles</a:t>
+            </a:r>
+          </a:p>
+          <a:p>
+            <a:pPr lvl="3"/>
+            <a:r>
+              <a:rPr lang="en-US" dirty="0"/>
+              <a:t>Second level</a:t>
+            </a:r>
+          </a:p>
+          <a:p>
+            <a:pPr lvl="2"/>
+            <a:r>
+              <a:rPr lang="en-US" dirty="0"/>
+              <a:t>Third level</a:t>
+            </a:r>
+          </a:p>
+          <a:p>
+            <a:pPr lvl="3"/>
+            <a:r>
+              <a:rPr lang="en-US" dirty="0"/>
+              <a:t>Fourth level</a:t>
+            </a:r>
+          </a:p>
+          <a:p>
+            <a:pPr lvl="4"/>
+            <a:r>
+              <a:rPr lang="en-US" dirty="0"/>
+              <a:t>Fifth level</a:t>
+            </a:r>
+          </a:p>
+        </p:txBody>
+      </p:sp>
+      <p:sp>
+        <p:nvSpPr>
+          <p:cNvPr id="4" name="Date Placeholder 3"/>
+          <p:cNvSpPr>
+            <a:spLocks noGrp="1"/>
+          </p:cNvSpPr>
+          <p:nvPr>
+            <p:ph type="dt" sz="half" idx="10"/>
           </p:nvPr>
         </p:nvSpPr>
         <p:spPr/>
@@ -1259,61 +1321,9 @@
           <a:bodyPr/>
           <a:lstStyle/>
           <a:p>
-            <a:pPr lvl="0"/>
-            <a:r>
-              <a:rPr lang="en-US"/>
-              <a:t>Click to edit Master text styles</a:t>
-            </a:r>
-          </a:p>
-          <a:p>
-            <a:pPr lvl="1"/>
-            <a:r>
-              <a:rPr lang="en-US"/>
-              <a:t>Second level</a:t>
-            </a:r>
-          </a:p>
-          <a:p>
-            <a:pPr lvl="2"/>
-            <a:r>
-              <a:rPr lang="en-US"/>
-              <a:t>Third level</a:t>
-            </a:r>
-          </a:p>
-          <a:p>
-            <a:pPr lvl="3"/>
-            <a:r>
-              <a:rPr lang="en-US"/>
-              <a:t>Fourth level</a:t>
-            </a:r>
-          </a:p>
-          <a:p>
-            <a:pPr lvl="4"/>
-            <a:r>
-              <a:rPr lang="en-US"/>
-              <a:t>Fifth level</a:t>
-            </a:r>
-            <a:endParaRPr lang="en-US" dirty="0"/>
-          </a:p>
-        </p:txBody>
-      </p:sp>
-      <p:sp>
-        <p:nvSpPr>
-          <p:cNvPr id="4" name="Date Placeholder 3"/>
-          <p:cNvSpPr>
-            <a:spLocks noGrp="1"/>
-          </p:cNvSpPr>
-          <p:nvPr>
-            <p:ph type="dt" sz="half" idx="10"/>
-          </p:nvPr>
-        </p:nvSpPr>
-        <p:spPr/>
-        <p:txBody>
-          <a:bodyPr/>
-          <a:lstStyle/>
-          <a:p>
             <a:fld id="{C42C6571-5E6A-784B-B936-D3B05221CD33}" type="datetimeFigureOut">
               <a:rPr lang="en-US" smtClean="0"/>
-              <a:t>7/15/18</a:t>
+              <a:t>9/4/18</a:t>
             </a:fld>
             <a:endParaRPr lang="en-US"/>
           </a:p>
@@ -1585,7 +1595,7 @@
           <a:p>
             <a:fld id="{C42C6571-5E6A-784B-B936-D3B05221CD33}" type="datetimeFigureOut">
               <a:rPr lang="en-US" smtClean="0"/>
-              <a:t>7/15/18</a:t>
+              <a:t>9/4/18</a:t>
             </a:fld>
             <a:endParaRPr lang="en-US"/>
           </a:p>
@@ -1974,7 +1984,7 @@
           <a:p>
             <a:fld id="{C42C6571-5E6A-784B-B936-D3B05221CD33}" type="datetimeFigureOut">
               <a:rPr lang="en-US" smtClean="0"/>
-              <a:t>7/15/18</a:t>
+              <a:t>9/4/18</a:t>
             </a:fld>
             <a:endParaRPr lang="en-US"/>
           </a:p>
@@ -2446,7 +2456,7 @@
           <a:p>
             <a:fld id="{C42C6571-5E6A-784B-B936-D3B05221CD33}" type="datetimeFigureOut">
               <a:rPr lang="en-US" smtClean="0"/>
-              <a:t>7/15/18</a:t>
+              <a:t>9/4/18</a:t>
             </a:fld>
             <a:endParaRPr lang="en-US"/>
           </a:p>
@@ -2559,7 +2569,7 @@
           <a:p>
             <a:fld id="{C42C6571-5E6A-784B-B936-D3B05221CD33}" type="datetimeFigureOut">
               <a:rPr lang="en-US" smtClean="0"/>
-              <a:t>7/15/18</a:t>
+              <a:t>9/4/18</a:t>
             </a:fld>
             <a:endParaRPr lang="en-US"/>
           </a:p>
@@ -2649,7 +2659,7 @@
           <a:p>
             <a:fld id="{C42C6571-5E6A-784B-B936-D3B05221CD33}" type="datetimeFigureOut">
               <a:rPr lang="en-US" smtClean="0"/>
-              <a:t>7/15/18</a:t>
+              <a:t>9/4/18</a:t>
             </a:fld>
             <a:endParaRPr lang="en-US"/>
           </a:p>
@@ -2990,7 +3000,7 @@
           <a:p>
             <a:fld id="{C42C6571-5E6A-784B-B936-D3B05221CD33}" type="datetimeFigureOut">
               <a:rPr lang="en-US" smtClean="0"/>
-              <a:t>7/15/18</a:t>
+              <a:t>9/4/18</a:t>
             </a:fld>
             <a:endParaRPr lang="en-US"/>
           </a:p>
@@ -3373,7 +3383,7 @@
           <a:p>
             <a:fld id="{C42C6571-5E6A-784B-B936-D3B05221CD33}" type="datetimeFigureOut">
               <a:rPr lang="en-US" smtClean="0"/>
-              <a:t>7/15/18</a:t>
+              <a:t>9/4/18</a:t>
             </a:fld>
             <a:endParaRPr lang="en-US"/>
           </a:p>
@@ -3646,7 +3656,7 @@
           <a:p>
             <a:fld id="{C42C6571-5E6A-784B-B936-D3B05221CD33}" type="datetimeFigureOut">
               <a:rPr lang="en-US" smtClean="0"/>
-              <a:t>7/15/18</a:t>
+              <a:t>9/4/18</a:t>
             </a:fld>
             <a:endParaRPr lang="en-US"/>
           </a:p>
@@ -4256,6 +4266,771 @@
         </p:blipFill>
         <p:spPr>
           <a:xfrm>
+            <a:off x="1454727" y="516359"/>
+            <a:ext cx="9601200" cy="2821816"/>
+          </a:xfrm>
+        </p:spPr>
+      </p:pic>
+      <p:sp>
+        <p:nvSpPr>
+          <p:cNvPr id="6" name="Content Placeholder 2"/>
+          <p:cNvSpPr txBox="1">
+            <a:spLocks/>
+          </p:cNvSpPr>
+          <p:nvPr/>
+        </p:nvSpPr>
+        <p:spPr>
+          <a:xfrm>
+            <a:off x="1371600" y="4073236"/>
+            <a:ext cx="6572992" cy="2367144"/>
+          </a:xfrm>
+          <a:prstGeom prst="rect">
+            <a:avLst/>
+          </a:prstGeom>
+        </p:spPr>
+        <p:txBody>
+          <a:bodyPr vert="horz" lIns="91440" tIns="45720" rIns="91440" bIns="45720" rtlCol="0">
+            <a:normAutofit/>
+          </a:bodyPr>
+          <a:lstStyle>
+            <a:lvl1pPr marL="384048" indent="-384048" algn="l" defTabSz="914400" rtl="0" eaLnBrk="1" latinLnBrk="0" hangingPunct="1">
+              <a:lnSpc>
+                <a:spcPct val="94000"/>
+              </a:lnSpc>
+              <a:spcBef>
+                <a:spcPts val="1000"/>
+              </a:spcBef>
+              <a:spcAft>
+                <a:spcPts val="200"/>
+              </a:spcAft>
+              <a:buFont typeface="Franklin Gothic Book" panose="020B0503020102020204" pitchFamily="34" charset="0"/>
+              <a:buChar char="■"/>
+              <a:defRPr sz="2000" kern="1200" baseline="0">
+                <a:solidFill>
+                  <a:schemeClr val="tx2"/>
+                </a:solidFill>
+                <a:latin typeface="+mn-lt"/>
+                <a:ea typeface="+mn-ea"/>
+                <a:cs typeface="+mn-cs"/>
+              </a:defRPr>
+            </a:lvl1pPr>
+            <a:lvl2pPr marL="384048" indent="-384048" algn="l" defTabSz="914400" rtl="0" eaLnBrk="1" latinLnBrk="0" hangingPunct="1">
+              <a:lnSpc>
+                <a:spcPct val="94000"/>
+              </a:lnSpc>
+              <a:spcBef>
+                <a:spcPts val="500"/>
+              </a:spcBef>
+              <a:spcAft>
+                <a:spcPts val="200"/>
+              </a:spcAft>
+              <a:buFont typeface="Franklin Gothic Book" panose="020B0503020102020204" pitchFamily="34" charset="0"/>
+              <a:buChar char="–"/>
+              <a:defRPr sz="2000" i="1" kern="1200" baseline="0">
+                <a:solidFill>
+                  <a:schemeClr val="tx2"/>
+                </a:solidFill>
+                <a:latin typeface="+mn-lt"/>
+                <a:ea typeface="+mn-ea"/>
+                <a:cs typeface="+mn-cs"/>
+              </a:defRPr>
+            </a:lvl2pPr>
+            <a:lvl3pPr marL="384048" indent="-384048" algn="l" defTabSz="914400" rtl="0" eaLnBrk="1" latinLnBrk="0" hangingPunct="1">
+              <a:lnSpc>
+                <a:spcPct val="94000"/>
+              </a:lnSpc>
+              <a:spcBef>
+                <a:spcPts val="500"/>
+              </a:spcBef>
+              <a:spcAft>
+                <a:spcPts val="200"/>
+              </a:spcAft>
+              <a:buFont typeface="Franklin Gothic Book" panose="020B0503020102020204" pitchFamily="34" charset="0"/>
+              <a:buChar char="■"/>
+              <a:defRPr sz="1800" kern="1200" baseline="0">
+                <a:solidFill>
+                  <a:schemeClr val="tx2"/>
+                </a:solidFill>
+                <a:latin typeface="+mn-lt"/>
+                <a:ea typeface="+mn-ea"/>
+                <a:cs typeface="+mn-cs"/>
+              </a:defRPr>
+            </a:lvl3pPr>
+            <a:lvl4pPr marL="384048" indent="-384048" algn="l" defTabSz="914400" rtl="0" eaLnBrk="1" latinLnBrk="0" hangingPunct="1">
+              <a:lnSpc>
+                <a:spcPct val="94000"/>
+              </a:lnSpc>
+              <a:spcBef>
+                <a:spcPts val="500"/>
+              </a:spcBef>
+              <a:spcAft>
+                <a:spcPts val="200"/>
+              </a:spcAft>
+              <a:buFont typeface="Franklin Gothic Book" panose="020B0503020102020204" pitchFamily="34" charset="0"/>
+              <a:buChar char="–"/>
+              <a:defRPr sz="1800" i="1" kern="1200" baseline="0">
+                <a:solidFill>
+                  <a:schemeClr val="tx2"/>
+                </a:solidFill>
+                <a:latin typeface="+mn-lt"/>
+                <a:ea typeface="+mn-ea"/>
+                <a:cs typeface="+mn-cs"/>
+              </a:defRPr>
+            </a:lvl4pPr>
+            <a:lvl5pPr marL="384048" indent="-384048" algn="l" defTabSz="914400" rtl="0" eaLnBrk="1" latinLnBrk="0" hangingPunct="1">
+              <a:lnSpc>
+                <a:spcPct val="94000"/>
+              </a:lnSpc>
+              <a:spcBef>
+                <a:spcPts val="500"/>
+              </a:spcBef>
+              <a:spcAft>
+                <a:spcPts val="200"/>
+              </a:spcAft>
+              <a:buFont typeface="Franklin Gothic Book" panose="020B0503020102020204" pitchFamily="34" charset="0"/>
+              <a:buChar char="■"/>
+              <a:defRPr sz="1600" kern="1200" baseline="0">
+                <a:solidFill>
+                  <a:schemeClr val="tx2"/>
+                </a:solidFill>
+                <a:latin typeface="+mn-lt"/>
+                <a:ea typeface="+mn-ea"/>
+                <a:cs typeface="+mn-cs"/>
+              </a:defRPr>
+            </a:lvl5pPr>
+            <a:lvl6pPr marL="384048" indent="-384048" algn="l" defTabSz="914400" rtl="0" eaLnBrk="1" latinLnBrk="0" hangingPunct="1">
+              <a:lnSpc>
+                <a:spcPct val="94000"/>
+              </a:lnSpc>
+              <a:spcBef>
+                <a:spcPts val="500"/>
+              </a:spcBef>
+              <a:spcAft>
+                <a:spcPts val="200"/>
+              </a:spcAft>
+              <a:buFont typeface="Franklin Gothic Book" panose="020B0503020102020204" pitchFamily="34" charset="0"/>
+              <a:buChar char="–"/>
+              <a:defRPr sz="1600" i="1" kern="1200" baseline="0">
+                <a:solidFill>
+                  <a:schemeClr val="tx2"/>
+                </a:solidFill>
+                <a:latin typeface="+mn-lt"/>
+                <a:ea typeface="+mn-ea"/>
+                <a:cs typeface="+mn-cs"/>
+              </a:defRPr>
+            </a:lvl6pPr>
+            <a:lvl7pPr marL="384048" indent="-384048" algn="l" defTabSz="914400" rtl="0" eaLnBrk="1" latinLnBrk="0" hangingPunct="1">
+              <a:lnSpc>
+                <a:spcPct val="94000"/>
+              </a:lnSpc>
+              <a:spcBef>
+                <a:spcPts val="500"/>
+              </a:spcBef>
+              <a:spcAft>
+                <a:spcPts val="200"/>
+              </a:spcAft>
+              <a:buFont typeface="Franklin Gothic Book" panose="020B0503020102020204" pitchFamily="34" charset="0"/>
+              <a:buChar char="■"/>
+              <a:defRPr sz="1400" kern="1200" baseline="0">
+                <a:solidFill>
+                  <a:schemeClr val="tx2"/>
+                </a:solidFill>
+                <a:latin typeface="+mn-lt"/>
+                <a:ea typeface="+mn-ea"/>
+                <a:cs typeface="+mn-cs"/>
+              </a:defRPr>
+            </a:lvl7pPr>
+            <a:lvl8pPr marL="384048" indent="-384048" algn="l" defTabSz="914400" rtl="0" eaLnBrk="1" latinLnBrk="0" hangingPunct="1">
+              <a:lnSpc>
+                <a:spcPct val="94000"/>
+              </a:lnSpc>
+              <a:spcBef>
+                <a:spcPts val="500"/>
+              </a:spcBef>
+              <a:spcAft>
+                <a:spcPts val="200"/>
+              </a:spcAft>
+              <a:buFont typeface="Franklin Gothic Book" panose="020B0503020102020204" pitchFamily="34" charset="0"/>
+              <a:buChar char="–"/>
+              <a:defRPr sz="1400" i="1" kern="1200" baseline="0">
+                <a:solidFill>
+                  <a:schemeClr val="tx2"/>
+                </a:solidFill>
+                <a:latin typeface="+mn-lt"/>
+                <a:ea typeface="+mn-ea"/>
+                <a:cs typeface="+mn-cs"/>
+              </a:defRPr>
+            </a:lvl8pPr>
+            <a:lvl9pPr marL="384048" indent="-384048" algn="l" defTabSz="914400" rtl="0" eaLnBrk="1" latinLnBrk="0" hangingPunct="1">
+              <a:lnSpc>
+                <a:spcPct val="94000"/>
+              </a:lnSpc>
+              <a:spcBef>
+                <a:spcPts val="500"/>
+              </a:spcBef>
+              <a:spcAft>
+                <a:spcPts val="200"/>
+              </a:spcAft>
+              <a:buFont typeface="Franklin Gothic Book" panose="020B0503020102020204" pitchFamily="34" charset="0"/>
+              <a:buChar char="■"/>
+              <a:defRPr sz="1400" kern="1200" baseline="0">
+                <a:solidFill>
+                  <a:schemeClr val="tx2"/>
+                </a:solidFill>
+                <a:latin typeface="+mn-lt"/>
+                <a:ea typeface="+mn-ea"/>
+                <a:cs typeface="+mn-cs"/>
+              </a:defRPr>
+            </a:lvl9pPr>
+          </a:lstStyle>
+          <a:p>
+            <a:r>
+              <a:rPr lang="en-US" dirty="0"/>
+              <a:t>Menu Items </a:t>
+            </a:r>
+            <a:r>
+              <a:rPr lang="mr-IN" dirty="0"/>
+              <a:t>–</a:t>
+            </a:r>
+            <a:r>
+              <a:rPr lang="en-US" dirty="0"/>
+              <a:t> </a:t>
+            </a:r>
+            <a:r>
+              <a:rPr lang="en-US" dirty="0" err="1"/>
+              <a:t>tabName</a:t>
+            </a:r>
+            <a:r>
+              <a:rPr lang="en-US" dirty="0"/>
+              <a:t> referenced in body.</a:t>
+            </a:r>
+          </a:p>
+          <a:p>
+            <a:r>
+              <a:rPr lang="en-US" dirty="0"/>
+              <a:t>Global Inputs </a:t>
+            </a:r>
+            <a:r>
+              <a:rPr lang="mr-IN" dirty="0"/>
+              <a:t>–</a:t>
+            </a:r>
+            <a:r>
+              <a:rPr lang="en-US" dirty="0"/>
+              <a:t> Should work on all tabs and for all visuals.</a:t>
+            </a:r>
+          </a:p>
+        </p:txBody>
+      </p:sp>
+    </p:spTree>
+    <p:extLst>
+      <p:ext uri="{BB962C8B-B14F-4D97-AF65-F5344CB8AC3E}">
+        <p14:creationId xmlns:p14="http://schemas.microsoft.com/office/powerpoint/2010/main" val="187690362"/>
+      </p:ext>
+    </p:extLst>
+  </p:cSld>
+  <p:clrMapOvr>
+    <a:masterClrMapping/>
+  </p:clrMapOvr>
+</p:sld>
+</file>
+
+<file path=ppt/slides/slide11.xml><?xml version="1.0" encoding="utf-8"?>
+<p:sld xmlns:a="http://schemas.openxmlformats.org/drawingml/2006/main" xmlns:r="http://schemas.openxmlformats.org/officeDocument/2006/relationships" xmlns:p="http://schemas.openxmlformats.org/presentationml/2006/main">
+  <p:cSld>
+    <p:bg>
+      <p:bgPr>
+        <a:solidFill>
+          <a:schemeClr val="bg2"/>
+        </a:solidFill>
+        <a:effectLst/>
+      </p:bgPr>
+    </p:bg>
+    <p:spTree>
+      <p:nvGrpSpPr>
+        <p:cNvPr id="1" name=""/>
+        <p:cNvGrpSpPr/>
+        <p:nvPr/>
+      </p:nvGrpSpPr>
+      <p:grpSpPr>
+        <a:xfrm>
+          <a:off x="0" y="0"/>
+          <a:ext cx="0" cy="0"/>
+          <a:chOff x="0" y="0"/>
+          <a:chExt cx="0" cy="0"/>
+        </a:xfrm>
+      </p:grpSpPr>
+      <p:sp>
+        <p:nvSpPr>
+          <p:cNvPr id="9" name="Rectangle 8"/>
+          <p:cNvSpPr>
+            <a:spLocks noGrp="1" noRot="1" noChangeAspect="1" noMove="1" noResize="1" noEditPoints="1" noAdjustHandles="1" noChangeArrowheads="1" noChangeShapeType="1" noTextEdit="1"/>
+          </p:cNvSpPr>
+          <p:nvPr>
+            <p:extLst>
+              <p:ext uri="{386F3935-93C4-4BCD-93E2-E3B085C9AB24}">
+                <p16:designElem xmlns:p16="http://schemas.microsoft.com/office/powerpoint/2015/main" val="1"/>
+              </p:ext>
+            </p:extLst>
+          </p:nvPr>
+        </p:nvSpPr>
+        <p:spPr bwMode="white">
+          <a:xfrm>
+            <a:off x="0" y="0"/>
+            <a:ext cx="12192000" cy="6858000"/>
+          </a:xfrm>
+          <a:prstGeom prst="rect">
+            <a:avLst/>
+          </a:prstGeom>
+          <a:solidFill>
+            <a:schemeClr val="bg2"/>
+          </a:solidFill>
+          <a:effectLst/>
+        </p:spPr>
+      </p:sp>
+      <p:grpSp>
+        <p:nvGrpSpPr>
+          <p:cNvPr id="11" name="Group 10"/>
+          <p:cNvGrpSpPr>
+            <a:grpSpLocks noGrp="1" noUngrp="1" noRot="1" noChangeAspect="1" noMove="1" noResize="1"/>
+          </p:cNvGrpSpPr>
+          <p:nvPr>
+            <p:extLst>
+              <p:ext uri="{386F3935-93C4-4BCD-93E2-E3B085C9AB24}">
+                <p16:designElem xmlns:p16="http://schemas.microsoft.com/office/powerpoint/2015/main" val="1"/>
+              </p:ext>
+            </p:extLst>
+          </p:nvPr>
+        </p:nvGrpSpPr>
+        <p:grpSpPr>
+          <a:xfrm>
+            <a:off x="752858" y="744469"/>
+            <a:ext cx="10674117" cy="5349671"/>
+            <a:chOff x="752858" y="744469"/>
+            <a:chExt cx="10674117" cy="5349671"/>
+          </a:xfrm>
+        </p:grpSpPr>
+        <p:sp>
+          <p:nvSpPr>
+            <p:cNvPr id="12" name="Freeform 6"/>
+            <p:cNvSpPr/>
+            <p:nvPr>
+              <p:extLst>
+                <p:ext uri="{386F3935-93C4-4BCD-93E2-E3B085C9AB24}">
+                  <p16:designElem xmlns:p16="http://schemas.microsoft.com/office/powerpoint/2015/main" val="1"/>
+                </p:ext>
+              </p:extLst>
+            </p:nvPr>
+          </p:nvSpPr>
+          <p:spPr bwMode="auto">
+            <a:xfrm>
+              <a:off x="8151962" y="1685652"/>
+              <a:ext cx="3275013" cy="4408488"/>
+            </a:xfrm>
+            <a:custGeom>
+              <a:avLst/>
+              <a:gdLst/>
+              <a:ahLst/>
+              <a:cxnLst/>
+              <a:rect l="l" t="t" r="r" b="b"/>
+              <a:pathLst>
+                <a:path w="10000" h="10000">
+                  <a:moveTo>
+                    <a:pt x="8761" y="0"/>
+                  </a:moveTo>
+                  <a:lnTo>
+                    <a:pt x="10000" y="0"/>
+                  </a:lnTo>
+                  <a:lnTo>
+                    <a:pt x="10000" y="10000"/>
+                  </a:lnTo>
+                  <a:lnTo>
+                    <a:pt x="0" y="10000"/>
+                  </a:lnTo>
+                  <a:lnTo>
+                    <a:pt x="0" y="9126"/>
+                  </a:lnTo>
+                  <a:lnTo>
+                    <a:pt x="8761" y="9127"/>
+                  </a:lnTo>
+                  <a:lnTo>
+                    <a:pt x="8761" y="0"/>
+                  </a:lnTo>
+                  <a:close/>
+                </a:path>
+              </a:pathLst>
+            </a:custGeom>
+            <a:solidFill>
+              <a:schemeClr val="tx2"/>
+            </a:solidFill>
+            <a:ln w="0">
+              <a:noFill/>
+              <a:prstDash val="solid"/>
+              <a:round/>
+              <a:headEnd/>
+              <a:tailEnd/>
+            </a:ln>
+          </p:spPr>
+        </p:sp>
+        <p:sp>
+          <p:nvSpPr>
+            <p:cNvPr id="13" name="Freeform 6"/>
+            <p:cNvSpPr/>
+            <p:nvPr>
+              <p:extLst>
+                <p:ext uri="{386F3935-93C4-4BCD-93E2-E3B085C9AB24}">
+                  <p16:designElem xmlns:p16="http://schemas.microsoft.com/office/powerpoint/2015/main" val="1"/>
+                </p:ext>
+              </p:extLst>
+            </p:nvPr>
+          </p:nvSpPr>
+          <p:spPr bwMode="auto">
+            <a:xfrm flipH="1" flipV="1">
+              <a:off x="752858" y="744469"/>
+              <a:ext cx="3275668" cy="4408488"/>
+            </a:xfrm>
+            <a:custGeom>
+              <a:avLst/>
+              <a:gdLst/>
+              <a:ahLst/>
+              <a:cxnLst/>
+              <a:rect l="l" t="t" r="r" b="b"/>
+              <a:pathLst>
+                <a:path w="10002" h="10000">
+                  <a:moveTo>
+                    <a:pt x="8763" y="0"/>
+                  </a:moveTo>
+                  <a:lnTo>
+                    <a:pt x="10002" y="0"/>
+                  </a:lnTo>
+                  <a:lnTo>
+                    <a:pt x="10002" y="10000"/>
+                  </a:lnTo>
+                  <a:lnTo>
+                    <a:pt x="2" y="10000"/>
+                  </a:lnTo>
+                  <a:cubicBezTo>
+                    <a:pt x="-2" y="9698"/>
+                    <a:pt x="4" y="9427"/>
+                    <a:pt x="0" y="9125"/>
+                  </a:cubicBezTo>
+                  <a:lnTo>
+                    <a:pt x="8763" y="9128"/>
+                  </a:lnTo>
+                  <a:lnTo>
+                    <a:pt x="8763" y="0"/>
+                  </a:lnTo>
+                  <a:close/>
+                </a:path>
+              </a:pathLst>
+            </a:custGeom>
+            <a:solidFill>
+              <a:schemeClr val="tx2"/>
+            </a:solidFill>
+            <a:ln w="0">
+              <a:noFill/>
+              <a:prstDash val="solid"/>
+              <a:round/>
+              <a:headEnd/>
+              <a:tailEnd/>
+            </a:ln>
+          </p:spPr>
+        </p:sp>
+      </p:grpSp>
+      <p:sp useBgFill="1">
+        <p:nvSpPr>
+          <p:cNvPr id="15" name="Rectangle 14"/>
+          <p:cNvSpPr>
+            <a:spLocks noGrp="1" noRot="1" noChangeAspect="1" noMove="1" noResize="1" noEditPoints="1" noAdjustHandles="1" noChangeArrowheads="1" noChangeShapeType="1" noTextEdit="1"/>
+          </p:cNvSpPr>
+          <p:nvPr>
+            <p:extLst>
+              <p:ext uri="{386F3935-93C4-4BCD-93E2-E3B085C9AB24}">
+                <p16:designElem xmlns:p16="http://schemas.microsoft.com/office/powerpoint/2015/main" val="1"/>
+              </p:ext>
+            </p:extLst>
+          </p:nvPr>
+        </p:nvSpPr>
+        <p:spPr>
+          <a:xfrm>
+            <a:off x="0" y="0"/>
+            <a:ext cx="12192000" cy="6858000"/>
+          </a:xfrm>
+          <a:prstGeom prst="rect">
+            <a:avLst/>
+          </a:prstGeom>
+          <a:ln>
+            <a:noFill/>
+          </a:ln>
+        </p:spPr>
+        <p:style>
+          <a:lnRef idx="2">
+            <a:schemeClr val="accent1">
+              <a:shade val="50000"/>
+            </a:schemeClr>
+          </a:lnRef>
+          <a:fillRef idx="1001">
+            <a:schemeClr val="lt2"/>
+          </a:fillRef>
+          <a:effectRef idx="0">
+            <a:schemeClr val="accent1"/>
+          </a:effectRef>
+          <a:fontRef idx="minor">
+            <a:schemeClr val="lt1"/>
+          </a:fontRef>
+        </p:style>
+        <p:txBody>
+          <a:bodyPr rtlCol="0" anchor="ctr"/>
+          <a:lstStyle/>
+          <a:p>
+            <a:pPr algn="ctr"/>
+            <a:endParaRPr lang="en-US"/>
+          </a:p>
+        </p:txBody>
+      </p:sp>
+      <p:sp>
+        <p:nvSpPr>
+          <p:cNvPr id="17" name="Freeform 6"/>
+          <p:cNvSpPr>
+            <a:spLocks noGrp="1" noRot="1" noChangeAspect="1" noMove="1" noResize="1" noEditPoints="1" noAdjustHandles="1" noChangeArrowheads="1" noChangeShapeType="1" noTextEdit="1"/>
+          </p:cNvSpPr>
+          <p:nvPr>
+            <p:extLst>
+              <p:ext uri="{386F3935-93C4-4BCD-93E2-E3B085C9AB24}">
+                <p16:designElem xmlns:p16="http://schemas.microsoft.com/office/powerpoint/2015/main" val="1"/>
+              </p:ext>
+            </p:extLst>
+          </p:nvPr>
+        </p:nvSpPr>
+        <p:spPr bwMode="auto">
+          <a:xfrm>
+            <a:off x="4494670" y="2016617"/>
+            <a:ext cx="3275013" cy="4408488"/>
+          </a:xfrm>
+          <a:custGeom>
+            <a:avLst/>
+            <a:gdLst/>
+            <a:ahLst/>
+            <a:cxnLst/>
+            <a:rect l="l" t="t" r="r" b="b"/>
+            <a:pathLst>
+              <a:path w="10000" h="10000">
+                <a:moveTo>
+                  <a:pt x="8761" y="0"/>
+                </a:moveTo>
+                <a:lnTo>
+                  <a:pt x="10000" y="0"/>
+                </a:lnTo>
+                <a:lnTo>
+                  <a:pt x="10000" y="10000"/>
+                </a:lnTo>
+                <a:lnTo>
+                  <a:pt x="0" y="10000"/>
+                </a:lnTo>
+                <a:lnTo>
+                  <a:pt x="0" y="9126"/>
+                </a:lnTo>
+                <a:lnTo>
+                  <a:pt x="8761" y="9127"/>
+                </a:lnTo>
+                <a:lnTo>
+                  <a:pt x="8761" y="0"/>
+                </a:lnTo>
+                <a:close/>
+              </a:path>
+            </a:pathLst>
+          </a:custGeom>
+          <a:solidFill>
+            <a:schemeClr val="tx2"/>
+          </a:solidFill>
+          <a:ln w="0">
+            <a:noFill/>
+            <a:prstDash val="solid"/>
+            <a:round/>
+            <a:headEnd/>
+            <a:tailEnd/>
+          </a:ln>
+        </p:spPr>
+      </p:sp>
+      <p:sp>
+        <p:nvSpPr>
+          <p:cNvPr id="19" name="Freeform 6"/>
+          <p:cNvSpPr>
+            <a:spLocks noGrp="1" noRot="1" noChangeAspect="1" noMove="1" noResize="1" noEditPoints="1" noAdjustHandles="1" noChangeArrowheads="1" noChangeShapeType="1" noTextEdit="1"/>
+          </p:cNvSpPr>
+          <p:nvPr>
+            <p:extLst>
+              <p:ext uri="{386F3935-93C4-4BCD-93E2-E3B085C9AB24}">
+                <p16:designElem xmlns:p16="http://schemas.microsoft.com/office/powerpoint/2015/main" val="1"/>
+              </p:ext>
+            </p:extLst>
+          </p:nvPr>
+        </p:nvSpPr>
+        <p:spPr bwMode="auto">
+          <a:xfrm flipH="1" flipV="1">
+            <a:off x="649163" y="634028"/>
+            <a:ext cx="3275668" cy="4408488"/>
+          </a:xfrm>
+          <a:custGeom>
+            <a:avLst/>
+            <a:gdLst/>
+            <a:ahLst/>
+            <a:cxnLst/>
+            <a:rect l="l" t="t" r="r" b="b"/>
+            <a:pathLst>
+              <a:path w="10002" h="10000">
+                <a:moveTo>
+                  <a:pt x="8763" y="0"/>
+                </a:moveTo>
+                <a:lnTo>
+                  <a:pt x="10002" y="0"/>
+                </a:lnTo>
+                <a:lnTo>
+                  <a:pt x="10002" y="10000"/>
+                </a:lnTo>
+                <a:lnTo>
+                  <a:pt x="2" y="10000"/>
+                </a:lnTo>
+                <a:cubicBezTo>
+                  <a:pt x="-2" y="9698"/>
+                  <a:pt x="4" y="9427"/>
+                  <a:pt x="0" y="9125"/>
+                </a:cubicBezTo>
+                <a:lnTo>
+                  <a:pt x="8763" y="9128"/>
+                </a:lnTo>
+                <a:lnTo>
+                  <a:pt x="8763" y="0"/>
+                </a:lnTo>
+                <a:close/>
+              </a:path>
+            </a:pathLst>
+          </a:custGeom>
+          <a:solidFill>
+            <a:schemeClr val="tx2"/>
+          </a:solidFill>
+          <a:ln w="0">
+            <a:noFill/>
+            <a:prstDash val="solid"/>
+            <a:round/>
+            <a:headEnd/>
+            <a:tailEnd/>
+          </a:ln>
+        </p:spPr>
+      </p:sp>
+      <p:pic>
+        <p:nvPicPr>
+          <p:cNvPr id="4" name="Picture 3"/>
+          <p:cNvPicPr>
+            <a:picLocks noChangeAspect="1"/>
+          </p:cNvPicPr>
+          <p:nvPr/>
+        </p:nvPicPr>
+        <p:blipFill>
+          <a:blip r:embed="rId2">
+            <a:extLst>
+              <a:ext uri="{28A0092B-C50C-407E-A947-70E740481C1C}">
+                <a14:useLocalDpi xmlns:a14="http://schemas.microsoft.com/office/drawing/2010/main" val="0"/>
+              </a:ext>
+            </a:extLst>
+          </a:blip>
+          <a:stretch>
+            <a:fillRect/>
+          </a:stretch>
+        </p:blipFill>
+        <p:spPr>
+          <a:xfrm>
+            <a:off x="1379023" y="1470054"/>
+            <a:ext cx="5659222" cy="4117083"/>
+          </a:xfrm>
+          <a:prstGeom prst="rect">
+            <a:avLst/>
+          </a:prstGeom>
+        </p:spPr>
+      </p:pic>
+      <p:sp>
+        <p:nvSpPr>
+          <p:cNvPr id="2" name="Title 1"/>
+          <p:cNvSpPr>
+            <a:spLocks noGrp="1"/>
+          </p:cNvSpPr>
+          <p:nvPr>
+            <p:ph type="title"/>
+          </p:nvPr>
+        </p:nvSpPr>
+        <p:spPr>
+          <a:xfrm>
+            <a:off x="8154186" y="634028"/>
+            <a:ext cx="3355942" cy="3732835"/>
+          </a:xfrm>
+        </p:spPr>
+        <p:txBody>
+          <a:bodyPr vert="horz" lIns="91440" tIns="45720" rIns="91440" bIns="45720" rtlCol="0" anchor="b">
+            <a:normAutofit/>
+          </a:bodyPr>
+          <a:lstStyle/>
+          <a:p>
+            <a:pPr algn="ctr"/>
+            <a:r>
+              <a:rPr lang="en-US" sz="6600"/>
+              <a:t>Body</a:t>
+            </a:r>
+          </a:p>
+        </p:txBody>
+      </p:sp>
+    </p:spTree>
+    <p:extLst>
+      <p:ext uri="{BB962C8B-B14F-4D97-AF65-F5344CB8AC3E}">
+        <p14:creationId xmlns:p14="http://schemas.microsoft.com/office/powerpoint/2010/main" val="2885880488"/>
+      </p:ext>
+    </p:extLst>
+  </p:cSld>
+  <p:clrMapOvr>
+    <a:masterClrMapping/>
+  </p:clrMapOvr>
+</p:sld>
+</file>
+
+<file path=ppt/slides/slide12.xml><?xml version="1.0" encoding="utf-8"?>
+<p:sld xmlns:a="http://schemas.openxmlformats.org/drawingml/2006/main" xmlns:r="http://schemas.openxmlformats.org/officeDocument/2006/relationships" xmlns:p="http://schemas.openxmlformats.org/presentationml/2006/main">
+  <p:cSld>
+    <p:spTree>
+      <p:nvGrpSpPr>
+        <p:cNvPr id="1" name=""/>
+        <p:cNvGrpSpPr/>
+        <p:nvPr/>
+      </p:nvGrpSpPr>
+      <p:grpSpPr>
+        <a:xfrm>
+          <a:off x="0" y="0"/>
+          <a:ext cx="0" cy="0"/>
+          <a:chOff x="0" y="0"/>
+          <a:chExt cx="0" cy="0"/>
+        </a:xfrm>
+      </p:grpSpPr>
+      <p:pic>
+        <p:nvPicPr>
+          <p:cNvPr id="4" name="Content Placeholder 3"/>
+          <p:cNvPicPr>
+            <a:picLocks noGrp="1" noChangeAspect="1"/>
+          </p:cNvPicPr>
+          <p:nvPr>
+            <p:ph idx="1"/>
+          </p:nvPr>
+        </p:nvPicPr>
+        <p:blipFill>
+          <a:blip r:embed="rId2">
+            <a:extLst>
+              <a:ext uri="{28A0092B-C50C-407E-A947-70E740481C1C}">
+                <a14:useLocalDpi xmlns:a14="http://schemas.microsoft.com/office/drawing/2010/main" val="0"/>
+              </a:ext>
+            </a:extLst>
+          </a:blip>
+          <a:stretch>
+            <a:fillRect/>
+          </a:stretch>
+        </p:blipFill>
+        <p:spPr>
+          <a:xfrm>
             <a:off x="2232499" y="492826"/>
             <a:ext cx="8379557" cy="3581400"/>
           </a:xfrm>
@@ -4558,7 +5333,7 @@
 </p:sld>
 </file>
 
-<file path=ppt/slides/slide11.xml><?xml version="1.0" encoding="utf-8"?>
+<file path=ppt/slides/slide13.xml><?xml version="1.0" encoding="utf-8"?>
 <p:sld xmlns:a="http://schemas.openxmlformats.org/drawingml/2006/main" xmlns:r="http://schemas.openxmlformats.org/officeDocument/2006/relationships" xmlns:p="http://schemas.openxmlformats.org/presentationml/2006/main">
   <p:cSld>
     <p:spTree>
@@ -4575,6 +5350,138 @@
           <a:chExt cx="0" cy="0"/>
         </a:xfrm>
       </p:grpSpPr>
+      <p:pic>
+        <p:nvPicPr>
+          <p:cNvPr id="6" name="Picture 5">
+            <a:extLst>
+              <a:ext uri="{FF2B5EF4-FFF2-40B4-BE49-F238E27FC236}">
+                <a16:creationId xmlns:a16="http://schemas.microsoft.com/office/drawing/2014/main" id="{A8FAAD8B-A67B-424E-9A43-B1D43264468A}"/>
+              </a:ext>
+            </a:extLst>
+          </p:cNvPr>
+          <p:cNvPicPr>
+            <a:picLocks noChangeAspect="1"/>
+          </p:cNvPicPr>
+          <p:nvPr/>
+        </p:nvPicPr>
+        <p:blipFill>
+          <a:blip r:embed="rId2"/>
+          <a:stretch>
+            <a:fillRect/>
+          </a:stretch>
+        </p:blipFill>
+        <p:spPr>
+          <a:xfrm>
+            <a:off x="634275" y="1977045"/>
+            <a:ext cx="6900380" cy="2903909"/>
+          </a:xfrm>
+          <a:prstGeom prst="rect">
+            <a:avLst/>
+          </a:prstGeom>
+        </p:spPr>
+      </p:pic>
+      <p:sp>
+        <p:nvSpPr>
+          <p:cNvPr id="2" name="Title 1">
+            <a:extLst>
+              <a:ext uri="{FF2B5EF4-FFF2-40B4-BE49-F238E27FC236}">
+                <a16:creationId xmlns:a16="http://schemas.microsoft.com/office/drawing/2014/main" id="{93E752AC-B56E-B242-AF0F-2B856C596FF0}"/>
+              </a:ext>
+            </a:extLst>
+          </p:cNvPr>
+          <p:cNvSpPr>
+            <a:spLocks noGrp="1"/>
+          </p:cNvSpPr>
+          <p:nvPr>
+            <p:ph type="title"/>
+          </p:nvPr>
+        </p:nvSpPr>
+        <p:spPr>
+          <a:xfrm>
+            <a:off x="8154030" y="1458506"/>
+            <a:ext cx="3176246" cy="3000139"/>
+          </a:xfrm>
+        </p:spPr>
+        <p:txBody>
+          <a:bodyPr vert="horz" lIns="91440" tIns="45720" rIns="91440" bIns="45720" rtlCol="0" anchor="b">
+            <a:normAutofit/>
+          </a:bodyPr>
+          <a:lstStyle/>
+          <a:p>
+            <a:pPr algn="l"/>
+            <a:r>
+              <a:rPr lang="en-US" sz="4800" dirty="0"/>
+              <a:t>Practice</a:t>
+            </a:r>
+          </a:p>
+        </p:txBody>
+      </p:sp>
+      <p:sp>
+        <p:nvSpPr>
+          <p:cNvPr id="4" name="Text Placeholder 3">
+            <a:extLst>
+              <a:ext uri="{FF2B5EF4-FFF2-40B4-BE49-F238E27FC236}">
+                <a16:creationId xmlns:a16="http://schemas.microsoft.com/office/drawing/2014/main" id="{1B99C553-D184-0E4D-8625-FAE69CAB35F9}"/>
+              </a:ext>
+            </a:extLst>
+          </p:cNvPr>
+          <p:cNvSpPr>
+            <a:spLocks noGrp="1"/>
+          </p:cNvSpPr>
+          <p:nvPr>
+            <p:ph type="body" idx="1"/>
+          </p:nvPr>
+        </p:nvSpPr>
+        <p:spPr>
+          <a:xfrm>
+            <a:off x="8569666" y="4458645"/>
+            <a:ext cx="3176246" cy="1656413"/>
+          </a:xfrm>
+        </p:spPr>
+        <p:txBody>
+          <a:bodyPr vert="horz" lIns="91440" tIns="45720" rIns="91440" bIns="45720" rtlCol="0">
+            <a:normAutofit/>
+          </a:bodyPr>
+          <a:lstStyle/>
+          <a:p>
+            <a:pPr algn="l"/>
+            <a:r>
+              <a:rPr lang="en-US" sz="2000" dirty="0"/>
+              <a:t>Storyboard - Blank</a:t>
+            </a:r>
+          </a:p>
+        </p:txBody>
+      </p:sp>
+    </p:spTree>
+    <p:extLst>
+      <p:ext uri="{BB962C8B-B14F-4D97-AF65-F5344CB8AC3E}">
+        <p14:creationId xmlns:p14="http://schemas.microsoft.com/office/powerpoint/2010/main" val="1913584219"/>
+      </p:ext>
+    </p:extLst>
+  </p:cSld>
+  <p:clrMapOvr>
+    <a:masterClrMapping/>
+  </p:clrMapOvr>
+</p:sld>
+</file>
+
+<file path=ppt/slides/slide14.xml><?xml version="1.0" encoding="utf-8"?>
+<p:sld xmlns:a="http://schemas.openxmlformats.org/drawingml/2006/main" xmlns:r="http://schemas.openxmlformats.org/officeDocument/2006/relationships" xmlns:p="http://schemas.openxmlformats.org/presentationml/2006/main">
+  <p:cSld>
+    <p:spTree>
+      <p:nvGrpSpPr>
+        <p:cNvPr id="1" name=""/>
+        <p:cNvGrpSpPr/>
+        <p:nvPr/>
+      </p:nvGrpSpPr>
+      <p:grpSpPr>
+        <a:xfrm>
+          <a:off x="0" y="0"/>
+          <a:ext cx="0" cy="0"/>
+          <a:chOff x="0" y="0"/>
+          <a:chExt cx="0" cy="0"/>
+        </a:xfrm>
+      </p:grpSpPr>
       <p:sp>
         <p:nvSpPr>
           <p:cNvPr id="2" name="Title 1"/>
@@ -4636,7 +5543,7 @@
 </p:sld>
 </file>
 
-<file path=ppt/slides/slide12.xml><?xml version="1.0" encoding="utf-8"?>
+<file path=ppt/slides/slide15.xml><?xml version="1.0" encoding="utf-8"?>
 <p:sld xmlns:a="http://schemas.openxmlformats.org/drawingml/2006/main" xmlns:r="http://schemas.openxmlformats.org/officeDocument/2006/relationships" xmlns:p="http://schemas.openxmlformats.org/presentationml/2006/main">
   <p:cSld>
     <p:bg>
@@ -5125,7 +6032,7 @@
 </p:sld>
 </file>
 
-<file path=ppt/slides/slide13.xml><?xml version="1.0" encoding="utf-8"?>
+<file path=ppt/slides/slide16.xml><?xml version="1.0" encoding="utf-8"?>
 <p:sld xmlns:a="http://schemas.openxmlformats.org/drawingml/2006/main" xmlns:r="http://schemas.openxmlformats.org/officeDocument/2006/relationships" xmlns:p="http://schemas.openxmlformats.org/presentationml/2006/main">
   <p:cSld>
     <p:spTree>
@@ -5219,7 +6126,7 @@
 </p:sld>
 </file>
 
-<file path=ppt/slides/slide14.xml><?xml version="1.0" encoding="utf-8"?>
+<file path=ppt/slides/slide17.xml><?xml version="1.0" encoding="utf-8"?>
 <p:sld xmlns:a="http://schemas.openxmlformats.org/drawingml/2006/main" xmlns:r="http://schemas.openxmlformats.org/officeDocument/2006/relationships" xmlns:p="http://schemas.openxmlformats.org/presentationml/2006/main">
   <p:cSld>
     <p:spTree>
@@ -5300,7 +6207,7 @@
 </p:sld>
 </file>
 
-<file path=ppt/slides/slide15.xml><?xml version="1.0" encoding="utf-8"?>
+<file path=ppt/slides/slide18.xml><?xml version="1.0" encoding="utf-8"?>
 <p:sld xmlns:a="http://schemas.openxmlformats.org/drawingml/2006/main" xmlns:r="http://schemas.openxmlformats.org/officeDocument/2006/relationships" xmlns:p="http://schemas.openxmlformats.org/presentationml/2006/main">
   <p:cSld>
     <p:spTree>
@@ -5397,7 +6304,7 @@
 </p:sld>
 </file>
 
-<file path=ppt/slides/slide16.xml><?xml version="1.0" encoding="utf-8"?>
+<file path=ppt/slides/slide19.xml><?xml version="1.0" encoding="utf-8"?>
 <p:sld xmlns:a="http://schemas.openxmlformats.org/drawingml/2006/main" xmlns:r="http://schemas.openxmlformats.org/officeDocument/2006/relationships" xmlns:p="http://schemas.openxmlformats.org/presentationml/2006/main">
   <p:cSld>
     <p:spTree>
@@ -5414,104 +6321,57 @@
           <a:chExt cx="0" cy="0"/>
         </a:xfrm>
       </p:grpSpPr>
-      <p:pic>
-        <p:nvPicPr>
-          <p:cNvPr id="6" name="Picture 5">
-            <a:extLst>
-              <a:ext uri="{FF2B5EF4-FFF2-40B4-BE49-F238E27FC236}">
-                <a16:creationId xmlns:a16="http://schemas.microsoft.com/office/drawing/2014/main" id="{A8FAAD8B-A67B-424E-9A43-B1D43264468A}"/>
-              </a:ext>
-            </a:extLst>
-          </p:cNvPr>
-          <p:cNvPicPr>
-            <a:picLocks noChangeAspect="1"/>
-          </p:cNvPicPr>
-          <p:nvPr/>
-        </p:nvPicPr>
-        <p:blipFill>
-          <a:blip r:embed="rId2"/>
-          <a:stretch>
-            <a:fillRect/>
-          </a:stretch>
-        </p:blipFill>
-        <p:spPr>
-          <a:xfrm>
-            <a:off x="634275" y="1977045"/>
-            <a:ext cx="6900380" cy="2903909"/>
-          </a:xfrm>
-          <a:prstGeom prst="rect">
-            <a:avLst/>
-          </a:prstGeom>
-        </p:spPr>
-      </p:pic>
-      <p:sp>
-        <p:nvSpPr>
-          <p:cNvPr id="2" name="Title 1">
-            <a:extLst>
-              <a:ext uri="{FF2B5EF4-FFF2-40B4-BE49-F238E27FC236}">
-                <a16:creationId xmlns:a16="http://schemas.microsoft.com/office/drawing/2014/main" id="{93E752AC-B56E-B242-AF0F-2B856C596FF0}"/>
-              </a:ext>
-            </a:extLst>
-          </p:cNvPr>
-          <p:cNvSpPr>
-            <a:spLocks noGrp="1"/>
-          </p:cNvSpPr>
-          <p:nvPr>
-            <p:ph type="title"/>
-          </p:nvPr>
-        </p:nvSpPr>
-        <p:spPr>
-          <a:xfrm>
-            <a:off x="8154030" y="1458506"/>
-            <a:ext cx="3176246" cy="3000139"/>
-          </a:xfrm>
-        </p:spPr>
-        <p:txBody>
-          <a:bodyPr vert="horz" lIns="91440" tIns="45720" rIns="91440" bIns="45720" rtlCol="0" anchor="b">
+      <p:sp>
+        <p:nvSpPr>
+          <p:cNvPr id="2" name="Title 1"/>
+          <p:cNvSpPr>
+            <a:spLocks noGrp="1"/>
+          </p:cNvSpPr>
+          <p:nvPr>
+            <p:ph type="ctrTitle"/>
+          </p:nvPr>
+        </p:nvSpPr>
+        <p:spPr/>
+        <p:txBody>
+          <a:bodyPr/>
+          <a:lstStyle/>
+          <a:p>
+            <a:r>
+              <a:rPr lang="en-US" dirty="0"/>
+              <a:t>Shiny Apps.io</a:t>
+            </a:r>
+          </a:p>
+        </p:txBody>
+      </p:sp>
+      <p:sp>
+        <p:nvSpPr>
+          <p:cNvPr id="3" name="Subtitle 2"/>
+          <p:cNvSpPr>
+            <a:spLocks noGrp="1"/>
+          </p:cNvSpPr>
+          <p:nvPr>
+            <p:ph type="subTitle" idx="1"/>
+          </p:nvPr>
+        </p:nvSpPr>
+        <p:spPr/>
+        <p:txBody>
+          <a:bodyPr>
             <a:normAutofit/>
           </a:bodyPr>
           <a:lstStyle/>
           <a:p>
-            <a:pPr algn="l"/>
-            <a:r>
-              <a:rPr lang="en-US" sz="4800" dirty="0"/>
-              <a:t>Practice</a:t>
-            </a:r>
-          </a:p>
-        </p:txBody>
-      </p:sp>
-      <p:sp>
-        <p:nvSpPr>
-          <p:cNvPr id="4" name="Text Placeholder 3">
-            <a:extLst>
-              <a:ext uri="{FF2B5EF4-FFF2-40B4-BE49-F238E27FC236}">
-                <a16:creationId xmlns:a16="http://schemas.microsoft.com/office/drawing/2014/main" id="{1B99C553-D184-0E4D-8625-FAE69CAB35F9}"/>
-              </a:ext>
-            </a:extLst>
-          </p:cNvPr>
-          <p:cNvSpPr>
-            <a:spLocks noGrp="1"/>
-          </p:cNvSpPr>
-          <p:nvPr>
-            <p:ph type="body" idx="1"/>
-          </p:nvPr>
-        </p:nvSpPr>
-        <p:spPr>
-          <a:xfrm>
-            <a:off x="8569666" y="4458645"/>
-            <a:ext cx="3176246" cy="1656413"/>
-          </a:xfrm>
-        </p:spPr>
-        <p:txBody>
-          <a:bodyPr vert="horz" lIns="91440" tIns="45720" rIns="91440" bIns="45720" rtlCol="0">
-            <a:normAutofit/>
-          </a:bodyPr>
-          <a:lstStyle/>
-          <a:p>
-            <a:pPr algn="l"/>
-            <a:r>
-              <a:rPr lang="en-US" sz="2000" dirty="0"/>
-              <a:t>Storyboard - Blank</a:t>
+            <a:r>
+              <a:rPr lang="en-US" dirty="0">
+                <a:hlinkClick r:id="rId2"/>
+              </a:rPr>
+              <a:t>http://www.shinyapps.io/</a:t>
+            </a:r>
+            <a:endParaRPr lang="en-US" dirty="0"/>
+          </a:p>
+          <a:p>
+            <a:r>
+              <a:rPr lang="en-US" dirty="0"/>
+              <a:t>Section 6</a:t>
             </a:r>
           </a:p>
         </p:txBody>
@@ -5519,7 +6379,7 @@
     </p:spTree>
     <p:extLst>
       <p:ext uri="{BB962C8B-B14F-4D97-AF65-F5344CB8AC3E}">
-        <p14:creationId xmlns:p14="http://schemas.microsoft.com/office/powerpoint/2010/main" val="1913584219"/>
+        <p14:creationId xmlns:p14="http://schemas.microsoft.com/office/powerpoint/2010/main" val="3166011692"/>
       </p:ext>
     </p:extLst>
   </p:cSld>
@@ -5548,32 +6408,10 @@
       </p:grpSpPr>
       <p:sp>
         <p:nvSpPr>
-          <p:cNvPr id="2" name="Title 1"/>
-          <p:cNvSpPr>
-            <a:spLocks noGrp="1"/>
-          </p:cNvSpPr>
-          <p:nvPr>
-            <p:ph type="title"/>
-          </p:nvPr>
-        </p:nvSpPr>
-        <p:spPr/>
-        <p:txBody>
-          <a:bodyPr/>
-          <a:lstStyle/>
-          <a:p>
-            <a:r>
-              <a:rPr lang="en-US" dirty="0"/>
-              <a:t>Shiny Dashboard</a:t>
-            </a:r>
-          </a:p>
-        </p:txBody>
-      </p:sp>
-      <p:sp>
-        <p:nvSpPr>
-          <p:cNvPr id="4" name="Text Placeholder 3">
+          <p:cNvPr id="2" name="Title 1">
             <a:extLst>
               <a:ext uri="{FF2B5EF4-FFF2-40B4-BE49-F238E27FC236}">
-                <a16:creationId xmlns:a16="http://schemas.microsoft.com/office/drawing/2014/main" id="{69E1FA9A-3279-D845-98BF-9D61AC24590A}"/>
+                <a16:creationId xmlns:a16="http://schemas.microsoft.com/office/drawing/2014/main" id="{4E8107C2-80F5-7B49-95D7-B31418FACCBE}"/>
               </a:ext>
             </a:extLst>
           </p:cNvPr>
@@ -5581,7 +6419,7 @@
             <a:spLocks noGrp="1"/>
           </p:cNvSpPr>
           <p:nvPr>
-            <p:ph type="body" idx="1"/>
+            <p:ph type="title"/>
           </p:nvPr>
         </p:nvSpPr>
         <p:spPr/>
@@ -5589,6 +6427,61 @@
           <a:bodyPr/>
           <a:lstStyle/>
           <a:p>
+            <a:r>
+              <a:rPr lang="en-US" dirty="0"/>
+              <a:t>Agenda	</a:t>
+            </a:r>
+          </a:p>
+        </p:txBody>
+      </p:sp>
+      <p:sp>
+        <p:nvSpPr>
+          <p:cNvPr id="3" name="Content Placeholder 2">
+            <a:extLst>
+              <a:ext uri="{FF2B5EF4-FFF2-40B4-BE49-F238E27FC236}">
+                <a16:creationId xmlns:a16="http://schemas.microsoft.com/office/drawing/2014/main" id="{797C1799-F4A0-DB41-9A56-E6CF3B522CCC}"/>
+              </a:ext>
+            </a:extLst>
+          </p:cNvPr>
+          <p:cNvSpPr>
+            <a:spLocks noGrp="1"/>
+          </p:cNvSpPr>
+          <p:nvPr>
+            <p:ph idx="1"/>
+          </p:nvPr>
+        </p:nvSpPr>
+        <p:spPr/>
+        <p:txBody>
+          <a:bodyPr/>
+          <a:lstStyle/>
+          <a:p>
+            <a:r>
+              <a:rPr lang="en-US" dirty="0"/>
+              <a:t>Homework 2</a:t>
+            </a:r>
+          </a:p>
+          <a:p>
+            <a:r>
+              <a:rPr lang="en-US" dirty="0"/>
+              <a:t>Shiny Dashboard</a:t>
+            </a:r>
+          </a:p>
+          <a:p>
+            <a:r>
+              <a:rPr lang="en-US" dirty="0" err="1"/>
+              <a:t>Flexdashboard</a:t>
+            </a:r>
+            <a:endParaRPr lang="en-US" dirty="0"/>
+          </a:p>
+          <a:p>
+            <a:r>
+              <a:rPr lang="en-US" dirty="0"/>
+              <a:t>Publishing to </a:t>
+            </a:r>
+            <a:r>
+              <a:rPr lang="en-US" dirty="0" err="1"/>
+              <a:t>shinyapps.io</a:t>
+            </a:r>
             <a:endParaRPr lang="en-US" dirty="0"/>
           </a:p>
         </p:txBody>
@@ -5596,7 +6489,576 @@
     </p:spTree>
     <p:extLst>
       <p:ext uri="{BB962C8B-B14F-4D97-AF65-F5344CB8AC3E}">
-        <p14:creationId xmlns:p14="http://schemas.microsoft.com/office/powerpoint/2010/main" val="86106604"/>
+        <p14:creationId xmlns:p14="http://schemas.microsoft.com/office/powerpoint/2010/main" val="2153960195"/>
+      </p:ext>
+    </p:extLst>
+  </p:cSld>
+  <p:clrMapOvr>
+    <a:masterClrMapping/>
+  </p:clrMapOvr>
+</p:sld>
+</file>
+
+<file path=ppt/slides/slide20.xml><?xml version="1.0" encoding="utf-8"?>
+<p:sld xmlns:a="http://schemas.openxmlformats.org/drawingml/2006/main" xmlns:r="http://schemas.openxmlformats.org/officeDocument/2006/relationships" xmlns:p="http://schemas.openxmlformats.org/presentationml/2006/main">
+  <p:cSld>
+    <p:spTree>
+      <p:nvGrpSpPr>
+        <p:cNvPr id="1" name=""/>
+        <p:cNvGrpSpPr/>
+        <p:nvPr/>
+      </p:nvGrpSpPr>
+      <p:grpSpPr>
+        <a:xfrm>
+          <a:off x="0" y="0"/>
+          <a:ext cx="0" cy="0"/>
+          <a:chOff x="0" y="0"/>
+          <a:chExt cx="0" cy="0"/>
+        </a:xfrm>
+      </p:grpSpPr>
+      <p:sp>
+        <p:nvSpPr>
+          <p:cNvPr id="2" name="Title 1"/>
+          <p:cNvSpPr>
+            <a:spLocks noGrp="1"/>
+          </p:cNvSpPr>
+          <p:nvPr>
+            <p:ph type="title"/>
+          </p:nvPr>
+        </p:nvSpPr>
+        <p:spPr/>
+        <p:txBody>
+          <a:bodyPr/>
+          <a:lstStyle/>
+          <a:p>
+            <a:r>
+              <a:rPr lang="en-US" dirty="0"/>
+              <a:t>Register a free Account</a:t>
+            </a:r>
+          </a:p>
+        </p:txBody>
+      </p:sp>
+      <p:pic>
+        <p:nvPicPr>
+          <p:cNvPr id="4" name="Content Placeholder 3"/>
+          <p:cNvPicPr>
+            <a:picLocks noGrp="1" noChangeAspect="1"/>
+          </p:cNvPicPr>
+          <p:nvPr>
+            <p:ph idx="1"/>
+          </p:nvPr>
+        </p:nvPicPr>
+        <p:blipFill>
+          <a:blip r:embed="rId2"/>
+          <a:stretch>
+            <a:fillRect/>
+          </a:stretch>
+        </p:blipFill>
+        <p:spPr>
+          <a:xfrm>
+            <a:off x="1371600" y="1567543"/>
+            <a:ext cx="8334894" cy="3581400"/>
+          </a:xfrm>
+          <a:prstGeom prst="rect">
+            <a:avLst/>
+          </a:prstGeom>
+        </p:spPr>
+      </p:pic>
+      <p:pic>
+        <p:nvPicPr>
+          <p:cNvPr id="5" name="Picture 4"/>
+          <p:cNvPicPr>
+            <a:picLocks noChangeAspect="1"/>
+          </p:cNvPicPr>
+          <p:nvPr/>
+        </p:nvPicPr>
+        <p:blipFill>
+          <a:blip r:embed="rId3"/>
+          <a:stretch>
+            <a:fillRect/>
+          </a:stretch>
+        </p:blipFill>
+        <p:spPr>
+          <a:xfrm>
+            <a:off x="4532539" y="4747532"/>
+            <a:ext cx="6686550" cy="1657350"/>
+          </a:xfrm>
+          <a:prstGeom prst="rect">
+            <a:avLst/>
+          </a:prstGeom>
+        </p:spPr>
+      </p:pic>
+    </p:spTree>
+    <p:extLst>
+      <p:ext uri="{BB962C8B-B14F-4D97-AF65-F5344CB8AC3E}">
+        <p14:creationId xmlns:p14="http://schemas.microsoft.com/office/powerpoint/2010/main" val="1991588505"/>
+      </p:ext>
+    </p:extLst>
+  </p:cSld>
+  <p:clrMapOvr>
+    <a:masterClrMapping/>
+  </p:clrMapOvr>
+  <p:timing>
+    <p:tnLst>
+      <p:par>
+        <p:cTn id="1" dur="indefinite" restart="never" nodeType="tmRoot">
+          <p:childTnLst>
+            <p:seq concurrent="1" nextAc="seek">
+              <p:cTn id="2" dur="indefinite" nodeType="mainSeq">
+                <p:childTnLst>
+                  <p:par>
+                    <p:cTn id="3" fill="hold">
+                      <p:stCondLst>
+                        <p:cond delay="indefinite"/>
+                      </p:stCondLst>
+                      <p:childTnLst>
+                        <p:par>
+                          <p:cTn id="4" fill="hold">
+                            <p:stCondLst>
+                              <p:cond delay="0"/>
+                            </p:stCondLst>
+                            <p:childTnLst>
+                              <p:par>
+                                <p:cTn id="5" presetID="1" presetClass="entr" presetSubtype="0" fill="hold" nodeType="clickEffect">
+                                  <p:stCondLst>
+                                    <p:cond delay="0"/>
+                                  </p:stCondLst>
+                                  <p:childTnLst>
+                                    <p:set>
+                                      <p:cBhvr>
+                                        <p:cTn id="6" dur="1" fill="hold">
+                                          <p:stCondLst>
+                                            <p:cond delay="0"/>
+                                          </p:stCondLst>
+                                        </p:cTn>
+                                        <p:tgtEl>
+                                          <p:spTgt spid="4"/>
+                                        </p:tgtEl>
+                                        <p:attrNameLst>
+                                          <p:attrName>style.visibility</p:attrName>
+                                        </p:attrNameLst>
+                                      </p:cBhvr>
+                                      <p:to>
+                                        <p:strVal val="visible"/>
+                                      </p:to>
+                                    </p:set>
+                                  </p:childTnLst>
+                                </p:cTn>
+                              </p:par>
+                            </p:childTnLst>
+                          </p:cTn>
+                        </p:par>
+                      </p:childTnLst>
+                    </p:cTn>
+                  </p:par>
+                  <p:par>
+                    <p:cTn id="7" fill="hold">
+                      <p:stCondLst>
+                        <p:cond delay="indefinite"/>
+                      </p:stCondLst>
+                      <p:childTnLst>
+                        <p:par>
+                          <p:cTn id="8" fill="hold">
+                            <p:stCondLst>
+                              <p:cond delay="0"/>
+                            </p:stCondLst>
+                            <p:childTnLst>
+                              <p:par>
+                                <p:cTn id="9" presetID="1" presetClass="entr" presetSubtype="0" fill="hold" nodeType="clickEffect">
+                                  <p:stCondLst>
+                                    <p:cond delay="0"/>
+                                  </p:stCondLst>
+                                  <p:childTnLst>
+                                    <p:set>
+                                      <p:cBhvr>
+                                        <p:cTn id="10" dur="1" fill="hold">
+                                          <p:stCondLst>
+                                            <p:cond delay="0"/>
+                                          </p:stCondLst>
+                                        </p:cTn>
+                                        <p:tgtEl>
+                                          <p:spTgt spid="5"/>
+                                        </p:tgtEl>
+                                        <p:attrNameLst>
+                                          <p:attrName>style.visibility</p:attrName>
+                                        </p:attrNameLst>
+                                      </p:cBhvr>
+                                      <p:to>
+                                        <p:strVal val="visible"/>
+                                      </p:to>
+                                    </p:set>
+                                  </p:childTnLst>
+                                </p:cTn>
+                              </p:par>
+                            </p:childTnLst>
+                          </p:cTn>
+                        </p:par>
+                      </p:childTnLst>
+                    </p:cTn>
+                  </p:par>
+                </p:childTnLst>
+              </p:cTn>
+              <p:prevCondLst>
+                <p:cond evt="onPrev" delay="0">
+                  <p:tgtEl>
+                    <p:sldTgt/>
+                  </p:tgtEl>
+                </p:cond>
+              </p:prevCondLst>
+              <p:nextCondLst>
+                <p:cond evt="onNext" delay="0">
+                  <p:tgtEl>
+                    <p:sldTgt/>
+                  </p:tgtEl>
+                </p:cond>
+              </p:nextCondLst>
+            </p:seq>
+          </p:childTnLst>
+        </p:cTn>
+      </p:par>
+    </p:tnLst>
+  </p:timing>
+</p:sld>
+</file>
+
+<file path=ppt/slides/slide21.xml><?xml version="1.0" encoding="utf-8"?>
+<p:sld xmlns:a="http://schemas.openxmlformats.org/drawingml/2006/main" xmlns:r="http://schemas.openxmlformats.org/officeDocument/2006/relationships" xmlns:p="http://schemas.openxmlformats.org/presentationml/2006/main">
+  <p:cSld>
+    <p:spTree>
+      <p:nvGrpSpPr>
+        <p:cNvPr id="1" name=""/>
+        <p:cNvGrpSpPr/>
+        <p:nvPr/>
+      </p:nvGrpSpPr>
+      <p:grpSpPr>
+        <a:xfrm>
+          <a:off x="0" y="0"/>
+          <a:ext cx="0" cy="0"/>
+          <a:chOff x="0" y="0"/>
+          <a:chExt cx="0" cy="0"/>
+        </a:xfrm>
+      </p:grpSpPr>
+      <p:sp>
+        <p:nvSpPr>
+          <p:cNvPr id="2" name="Title 1"/>
+          <p:cNvSpPr>
+            <a:spLocks noGrp="1"/>
+          </p:cNvSpPr>
+          <p:nvPr>
+            <p:ph type="title"/>
+          </p:nvPr>
+        </p:nvSpPr>
+        <p:spPr/>
+        <p:txBody>
+          <a:bodyPr/>
+          <a:lstStyle/>
+          <a:p>
+            <a:r>
+              <a:rPr lang="en-US" dirty="0"/>
+              <a:t>Connect your account</a:t>
+            </a:r>
+          </a:p>
+        </p:txBody>
+      </p:sp>
+      <p:pic>
+        <p:nvPicPr>
+          <p:cNvPr id="6" name="Picture 5"/>
+          <p:cNvPicPr>
+            <a:picLocks noChangeAspect="1"/>
+          </p:cNvPicPr>
+          <p:nvPr/>
+        </p:nvPicPr>
+        <p:blipFill>
+          <a:blip r:embed="rId2"/>
+          <a:stretch>
+            <a:fillRect/>
+          </a:stretch>
+        </p:blipFill>
+        <p:spPr>
+          <a:xfrm>
+            <a:off x="1120672" y="1616528"/>
+            <a:ext cx="5051528" cy="4976132"/>
+          </a:xfrm>
+          <a:prstGeom prst="rect">
+            <a:avLst/>
+          </a:prstGeom>
+        </p:spPr>
+      </p:pic>
+      <p:pic>
+        <p:nvPicPr>
+          <p:cNvPr id="7" name="Picture 6"/>
+          <p:cNvPicPr>
+            <a:picLocks noChangeAspect="1"/>
+          </p:cNvPicPr>
+          <p:nvPr/>
+        </p:nvPicPr>
+        <p:blipFill>
+          <a:blip r:embed="rId3"/>
+          <a:stretch>
+            <a:fillRect/>
+          </a:stretch>
+        </p:blipFill>
+        <p:spPr>
+          <a:xfrm>
+            <a:off x="6270791" y="1616528"/>
+            <a:ext cx="5062674" cy="4976132"/>
+          </a:xfrm>
+          <a:prstGeom prst="rect">
+            <a:avLst/>
+          </a:prstGeom>
+        </p:spPr>
+      </p:pic>
+    </p:spTree>
+    <p:extLst>
+      <p:ext uri="{BB962C8B-B14F-4D97-AF65-F5344CB8AC3E}">
+        <p14:creationId xmlns:p14="http://schemas.microsoft.com/office/powerpoint/2010/main" val="2010484079"/>
+      </p:ext>
+    </p:extLst>
+  </p:cSld>
+  <p:clrMapOvr>
+    <a:masterClrMapping/>
+  </p:clrMapOvr>
+  <p:timing>
+    <p:tnLst>
+      <p:par>
+        <p:cTn id="1" dur="indefinite" restart="never" nodeType="tmRoot">
+          <p:childTnLst>
+            <p:seq concurrent="1" nextAc="seek">
+              <p:cTn id="2" dur="indefinite" nodeType="mainSeq">
+                <p:childTnLst>
+                  <p:par>
+                    <p:cTn id="3" fill="hold">
+                      <p:stCondLst>
+                        <p:cond delay="indefinite"/>
+                      </p:stCondLst>
+                      <p:childTnLst>
+                        <p:par>
+                          <p:cTn id="4" fill="hold">
+                            <p:stCondLst>
+                              <p:cond delay="0"/>
+                            </p:stCondLst>
+                            <p:childTnLst>
+                              <p:par>
+                                <p:cTn id="5" presetID="1" presetClass="entr" presetSubtype="0" fill="hold" nodeType="clickEffect">
+                                  <p:stCondLst>
+                                    <p:cond delay="0"/>
+                                  </p:stCondLst>
+                                  <p:childTnLst>
+                                    <p:set>
+                                      <p:cBhvr>
+                                        <p:cTn id="6" dur="1" fill="hold">
+                                          <p:stCondLst>
+                                            <p:cond delay="0"/>
+                                          </p:stCondLst>
+                                        </p:cTn>
+                                        <p:tgtEl>
+                                          <p:spTgt spid="6"/>
+                                        </p:tgtEl>
+                                        <p:attrNameLst>
+                                          <p:attrName>style.visibility</p:attrName>
+                                        </p:attrNameLst>
+                                      </p:cBhvr>
+                                      <p:to>
+                                        <p:strVal val="visible"/>
+                                      </p:to>
+                                    </p:set>
+                                  </p:childTnLst>
+                                </p:cTn>
+                              </p:par>
+                            </p:childTnLst>
+                          </p:cTn>
+                        </p:par>
+                      </p:childTnLst>
+                    </p:cTn>
+                  </p:par>
+                  <p:par>
+                    <p:cTn id="7" fill="hold">
+                      <p:stCondLst>
+                        <p:cond delay="indefinite"/>
+                      </p:stCondLst>
+                      <p:childTnLst>
+                        <p:par>
+                          <p:cTn id="8" fill="hold">
+                            <p:stCondLst>
+                              <p:cond delay="0"/>
+                            </p:stCondLst>
+                            <p:childTnLst>
+                              <p:par>
+                                <p:cTn id="9" presetID="1" presetClass="entr" presetSubtype="0" fill="hold" nodeType="clickEffect">
+                                  <p:stCondLst>
+                                    <p:cond delay="0"/>
+                                  </p:stCondLst>
+                                  <p:childTnLst>
+                                    <p:set>
+                                      <p:cBhvr>
+                                        <p:cTn id="10" dur="1" fill="hold">
+                                          <p:stCondLst>
+                                            <p:cond delay="0"/>
+                                          </p:stCondLst>
+                                        </p:cTn>
+                                        <p:tgtEl>
+                                          <p:spTgt spid="7"/>
+                                        </p:tgtEl>
+                                        <p:attrNameLst>
+                                          <p:attrName>style.visibility</p:attrName>
+                                        </p:attrNameLst>
+                                      </p:cBhvr>
+                                      <p:to>
+                                        <p:strVal val="visible"/>
+                                      </p:to>
+                                    </p:set>
+                                  </p:childTnLst>
+                                </p:cTn>
+                              </p:par>
+                            </p:childTnLst>
+                          </p:cTn>
+                        </p:par>
+                      </p:childTnLst>
+                    </p:cTn>
+                  </p:par>
+                </p:childTnLst>
+              </p:cTn>
+              <p:prevCondLst>
+                <p:cond evt="onPrev" delay="0">
+                  <p:tgtEl>
+                    <p:sldTgt/>
+                  </p:tgtEl>
+                </p:cond>
+              </p:prevCondLst>
+              <p:nextCondLst>
+                <p:cond evt="onNext" delay="0">
+                  <p:tgtEl>
+                    <p:sldTgt/>
+                  </p:tgtEl>
+                </p:cond>
+              </p:nextCondLst>
+            </p:seq>
+          </p:childTnLst>
+        </p:cTn>
+      </p:par>
+    </p:tnLst>
+  </p:timing>
+</p:sld>
+</file>
+
+<file path=ppt/slides/slide22.xml><?xml version="1.0" encoding="utf-8"?>
+<p:sld xmlns:a="http://schemas.openxmlformats.org/drawingml/2006/main" xmlns:r="http://schemas.openxmlformats.org/officeDocument/2006/relationships" xmlns:p="http://schemas.openxmlformats.org/presentationml/2006/main">
+  <p:cSld>
+    <p:spTree>
+      <p:nvGrpSpPr>
+        <p:cNvPr id="1" name=""/>
+        <p:cNvGrpSpPr/>
+        <p:nvPr/>
+      </p:nvGrpSpPr>
+      <p:grpSpPr>
+        <a:xfrm>
+          <a:off x="0" y="0"/>
+          <a:ext cx="0" cy="0"/>
+          <a:chOff x="0" y="0"/>
+          <a:chExt cx="0" cy="0"/>
+        </a:xfrm>
+      </p:grpSpPr>
+      <p:sp>
+        <p:nvSpPr>
+          <p:cNvPr id="2" name="Title 1"/>
+          <p:cNvSpPr>
+            <a:spLocks noGrp="1"/>
+          </p:cNvSpPr>
+          <p:nvPr>
+            <p:ph type="title"/>
+          </p:nvPr>
+        </p:nvSpPr>
+        <p:spPr/>
+        <p:txBody>
+          <a:bodyPr/>
+          <a:lstStyle/>
+          <a:p>
+            <a:r>
+              <a:rPr lang="en-US" dirty="0"/>
+              <a:t>Publish one of todays apps!</a:t>
+            </a:r>
+          </a:p>
+        </p:txBody>
+      </p:sp>
+      <p:pic>
+        <p:nvPicPr>
+          <p:cNvPr id="6" name="Picture 5">
+            <a:extLst>
+              <a:ext uri="{FF2B5EF4-FFF2-40B4-BE49-F238E27FC236}">
+                <a16:creationId xmlns:a16="http://schemas.microsoft.com/office/drawing/2014/main" id="{8CD67C2C-4663-8A4C-A898-9DBB54A8D6CD}"/>
+              </a:ext>
+            </a:extLst>
+          </p:cNvPr>
+          <p:cNvPicPr>
+            <a:picLocks noChangeAspect="1"/>
+          </p:cNvPicPr>
+          <p:nvPr/>
+        </p:nvPicPr>
+        <p:blipFill>
+          <a:blip r:embed="rId2"/>
+          <a:stretch>
+            <a:fillRect/>
+          </a:stretch>
+        </p:blipFill>
+        <p:spPr>
+          <a:xfrm>
+            <a:off x="4125441" y="2419006"/>
+            <a:ext cx="3255940" cy="2733761"/>
+          </a:xfrm>
+          <a:prstGeom prst="rect">
+            <a:avLst/>
+          </a:prstGeom>
+        </p:spPr>
+      </p:pic>
+      <p:sp>
+        <p:nvSpPr>
+          <p:cNvPr id="3" name="Oval 2">
+            <a:extLst>
+              <a:ext uri="{FF2B5EF4-FFF2-40B4-BE49-F238E27FC236}">
+                <a16:creationId xmlns:a16="http://schemas.microsoft.com/office/drawing/2014/main" id="{BE01A743-3B8D-944C-A040-5503BB7557E1}"/>
+              </a:ext>
+            </a:extLst>
+          </p:cNvPr>
+          <p:cNvSpPr/>
+          <p:nvPr/>
+        </p:nvSpPr>
+        <p:spPr>
+          <a:xfrm>
+            <a:off x="4528751" y="3223653"/>
+            <a:ext cx="1643449" cy="1124465"/>
+          </a:xfrm>
+          <a:prstGeom prst="ellipse">
+            <a:avLst/>
+          </a:prstGeom>
+          <a:noFill/>
+        </p:spPr>
+        <p:style>
+          <a:lnRef idx="2">
+            <a:schemeClr val="accent6"/>
+          </a:lnRef>
+          <a:fillRef idx="1">
+            <a:schemeClr val="lt1"/>
+          </a:fillRef>
+          <a:effectRef idx="0">
+            <a:schemeClr val="accent6"/>
+          </a:effectRef>
+          <a:fontRef idx="minor">
+            <a:schemeClr val="dk1"/>
+          </a:fontRef>
+        </p:style>
+        <p:txBody>
+          <a:bodyPr rtlCol="0" anchor="ctr"/>
+          <a:lstStyle/>
+          <a:p>
+            <a:pPr algn="ctr"/>
+            <a:endParaRPr lang="en-US"/>
+          </a:p>
+        </p:txBody>
+      </p:sp>
+    </p:spTree>
+    <p:extLst>
+      <p:ext uri="{BB962C8B-B14F-4D97-AF65-F5344CB8AC3E}">
+        <p14:creationId xmlns:p14="http://schemas.microsoft.com/office/powerpoint/2010/main" val="4283320614"/>
       </p:ext>
     </p:extLst>
   </p:cSld>
@@ -5625,6 +7087,215 @@
       </p:grpSpPr>
       <p:sp>
         <p:nvSpPr>
+          <p:cNvPr id="2" name="Title 1">
+            <a:extLst>
+              <a:ext uri="{FF2B5EF4-FFF2-40B4-BE49-F238E27FC236}">
+                <a16:creationId xmlns:a16="http://schemas.microsoft.com/office/drawing/2014/main" id="{E9FB7731-CD6D-BC4E-9AAB-AB3E91BF0EB9}"/>
+              </a:ext>
+            </a:extLst>
+          </p:cNvPr>
+          <p:cNvSpPr>
+            <a:spLocks noGrp="1"/>
+          </p:cNvSpPr>
+          <p:nvPr>
+            <p:ph type="title"/>
+          </p:nvPr>
+        </p:nvSpPr>
+        <p:spPr/>
+        <p:txBody>
+          <a:bodyPr/>
+          <a:lstStyle/>
+          <a:p>
+            <a:r>
+              <a:rPr lang="en-US" dirty="0"/>
+              <a:t>Homework 2</a:t>
+            </a:r>
+          </a:p>
+        </p:txBody>
+      </p:sp>
+      <p:sp>
+        <p:nvSpPr>
+          <p:cNvPr id="3" name="Content Placeholder 2">
+            <a:extLst>
+              <a:ext uri="{FF2B5EF4-FFF2-40B4-BE49-F238E27FC236}">
+                <a16:creationId xmlns:a16="http://schemas.microsoft.com/office/drawing/2014/main" id="{A7851E95-D47A-2D40-9BD6-8CACB280B8D0}"/>
+              </a:ext>
+            </a:extLst>
+          </p:cNvPr>
+          <p:cNvSpPr>
+            <a:spLocks noGrp="1"/>
+          </p:cNvSpPr>
+          <p:nvPr>
+            <p:ph idx="1"/>
+          </p:nvPr>
+        </p:nvSpPr>
+        <p:spPr/>
+        <p:txBody>
+          <a:bodyPr>
+            <a:normAutofit/>
+          </a:bodyPr>
+          <a:lstStyle/>
+          <a:p>
+            <a:r>
+              <a:rPr lang="en-US" dirty="0"/>
+              <a:t>Nearly every Shiny application requires you to translate user inputs to allow them to manipulate the data you visualize for them. For this assignment you must use data from an open data website (you may download and clean the data and write it as a CSV). You must also use a different UI layout than what you used in Homework 2. </a:t>
+            </a:r>
+          </a:p>
+          <a:p>
+            <a:r>
+              <a:rPr lang="en-US" dirty="0"/>
+              <a:t>Directions: Use </a:t>
+            </a:r>
+            <a:r>
+              <a:rPr lang="en-US" dirty="0" err="1"/>
+              <a:t>plotly</a:t>
+            </a:r>
+            <a:r>
+              <a:rPr lang="en-US" dirty="0"/>
+              <a:t> (with or without the aid of ggplot2) to create three (3) different kinds of figures and one (1) data table. Include at least three (3) types of</a:t>
+            </a:r>
+          </a:p>
+          <a:p>
+            <a:r>
+              <a:rPr lang="en-US" dirty="0"/>
+              <a:t>Reminder Input Types are:</a:t>
+            </a:r>
+          </a:p>
+          <a:p>
+            <a:pPr marL="804863" lvl="1" indent="-414338"/>
+            <a:r>
+              <a:rPr lang="en-US" dirty="0"/>
+              <a:t>Numeric</a:t>
+            </a:r>
+          </a:p>
+          <a:p>
+            <a:pPr marL="804863" lvl="1" indent="-414338"/>
+            <a:r>
+              <a:rPr lang="en-US" dirty="0"/>
+              <a:t>Text</a:t>
+            </a:r>
+          </a:p>
+          <a:p>
+            <a:pPr marL="804863" lvl="1" indent="-414338"/>
+            <a:r>
+              <a:rPr lang="en-US" dirty="0"/>
+              <a:t>Other/miscellaneous </a:t>
+            </a:r>
+          </a:p>
+          <a:p>
+            <a:endParaRPr lang="en-US" dirty="0"/>
+          </a:p>
+        </p:txBody>
+      </p:sp>
+    </p:spTree>
+    <p:extLst>
+      <p:ext uri="{BB962C8B-B14F-4D97-AF65-F5344CB8AC3E}">
+        <p14:creationId xmlns:p14="http://schemas.microsoft.com/office/powerpoint/2010/main" val="3952837693"/>
+      </p:ext>
+    </p:extLst>
+  </p:cSld>
+  <p:clrMapOvr>
+    <a:masterClrMapping/>
+  </p:clrMapOvr>
+</p:sld>
+</file>
+
+<file path=ppt/slides/slide4.xml><?xml version="1.0" encoding="utf-8"?>
+<p:sld xmlns:a="http://schemas.openxmlformats.org/drawingml/2006/main" xmlns:r="http://schemas.openxmlformats.org/officeDocument/2006/relationships" xmlns:p="http://schemas.openxmlformats.org/presentationml/2006/main">
+  <p:cSld>
+    <p:spTree>
+      <p:nvGrpSpPr>
+        <p:cNvPr id="1" name=""/>
+        <p:cNvGrpSpPr/>
+        <p:nvPr/>
+      </p:nvGrpSpPr>
+      <p:grpSpPr>
+        <a:xfrm>
+          <a:off x="0" y="0"/>
+          <a:ext cx="0" cy="0"/>
+          <a:chOff x="0" y="0"/>
+          <a:chExt cx="0" cy="0"/>
+        </a:xfrm>
+      </p:grpSpPr>
+      <p:sp>
+        <p:nvSpPr>
+          <p:cNvPr id="2" name="Title 1"/>
+          <p:cNvSpPr>
+            <a:spLocks noGrp="1"/>
+          </p:cNvSpPr>
+          <p:nvPr>
+            <p:ph type="title"/>
+          </p:nvPr>
+        </p:nvSpPr>
+        <p:spPr/>
+        <p:txBody>
+          <a:bodyPr/>
+          <a:lstStyle/>
+          <a:p>
+            <a:r>
+              <a:rPr lang="en-US" dirty="0"/>
+              <a:t>Shiny Dashboard</a:t>
+            </a:r>
+          </a:p>
+        </p:txBody>
+      </p:sp>
+      <p:sp>
+        <p:nvSpPr>
+          <p:cNvPr id="4" name="Text Placeholder 3">
+            <a:extLst>
+              <a:ext uri="{FF2B5EF4-FFF2-40B4-BE49-F238E27FC236}">
+                <a16:creationId xmlns:a16="http://schemas.microsoft.com/office/drawing/2014/main" id="{69E1FA9A-3279-D845-98BF-9D61AC24590A}"/>
+              </a:ext>
+            </a:extLst>
+          </p:cNvPr>
+          <p:cNvSpPr>
+            <a:spLocks noGrp="1"/>
+          </p:cNvSpPr>
+          <p:nvPr>
+            <p:ph type="body" idx="1"/>
+          </p:nvPr>
+        </p:nvSpPr>
+        <p:spPr/>
+        <p:txBody>
+          <a:bodyPr/>
+          <a:lstStyle/>
+          <a:p>
+            <a:endParaRPr lang="en-US" dirty="0"/>
+          </a:p>
+        </p:txBody>
+      </p:sp>
+    </p:spTree>
+    <p:extLst>
+      <p:ext uri="{BB962C8B-B14F-4D97-AF65-F5344CB8AC3E}">
+        <p14:creationId xmlns:p14="http://schemas.microsoft.com/office/powerpoint/2010/main" val="86106604"/>
+      </p:ext>
+    </p:extLst>
+  </p:cSld>
+  <p:clrMapOvr>
+    <a:masterClrMapping/>
+  </p:clrMapOvr>
+</p:sld>
+</file>
+
+<file path=ppt/slides/slide5.xml><?xml version="1.0" encoding="utf-8"?>
+<p:sld xmlns:a="http://schemas.openxmlformats.org/drawingml/2006/main" xmlns:r="http://schemas.openxmlformats.org/officeDocument/2006/relationships" xmlns:p="http://schemas.openxmlformats.org/presentationml/2006/main">
+  <p:cSld>
+    <p:spTree>
+      <p:nvGrpSpPr>
+        <p:cNvPr id="1" name=""/>
+        <p:cNvGrpSpPr/>
+        <p:nvPr/>
+      </p:nvGrpSpPr>
+      <p:grpSpPr>
+        <a:xfrm>
+          <a:off x="0" y="0"/>
+          <a:ext cx="0" cy="0"/>
+          <a:chOff x="0" y="0"/>
+          <a:chExt cx="0" cy="0"/>
+        </a:xfrm>
+      </p:grpSpPr>
+      <p:sp>
+        <p:nvSpPr>
           <p:cNvPr id="2" name="Title 1"/>
           <p:cNvSpPr>
             <a:spLocks noGrp="1"/>
@@ -5755,7 +7426,7 @@
 </p:sld>
 </file>
 
-<file path=ppt/slides/slide4.xml><?xml version="1.0" encoding="utf-8"?>
+<file path=ppt/slides/slide6.xml><?xml version="1.0" encoding="utf-8"?>
 <p:sld xmlns:a="http://schemas.openxmlformats.org/drawingml/2006/main" xmlns:r="http://schemas.openxmlformats.org/officeDocument/2006/relationships" xmlns:p="http://schemas.openxmlformats.org/presentationml/2006/main">
   <p:cSld>
     <p:bg>
@@ -6147,7 +7818,7 @@
 </p:sld>
 </file>
 
-<file path=ppt/slides/slide5.xml><?xml version="1.0" encoding="utf-8"?>
+<file path=ppt/slides/slide7.xml><?xml version="1.0" encoding="utf-8"?>
 <p:sld xmlns:a="http://schemas.openxmlformats.org/drawingml/2006/main" xmlns:r="http://schemas.openxmlformats.org/officeDocument/2006/relationships" xmlns:p="http://schemas.openxmlformats.org/presentationml/2006/main">
   <p:cSld>
     <p:bg>
@@ -6603,7 +8274,7 @@
 </p:sld>
 </file>
 
-<file path=ppt/slides/slide6.xml><?xml version="1.0" encoding="utf-8"?>
+<file path=ppt/slides/slide8.xml><?xml version="1.0" encoding="utf-8"?>
 <p:sld xmlns:a="http://schemas.openxmlformats.org/drawingml/2006/main" xmlns:r="http://schemas.openxmlformats.org/officeDocument/2006/relationships" xmlns:p="http://schemas.openxmlformats.org/presentationml/2006/main">
   <p:cSld>
     <p:spTree>
@@ -6816,7 +8487,7 @@
 </p:sld>
 </file>
 
-<file path=ppt/slides/slide7.xml><?xml version="1.0" encoding="utf-8"?>
+<file path=ppt/slides/slide9.xml><?xml version="1.0" encoding="utf-8"?>
 <p:sld xmlns:a="http://schemas.openxmlformats.org/drawingml/2006/main" xmlns:r="http://schemas.openxmlformats.org/officeDocument/2006/relationships" xmlns:p="http://schemas.openxmlformats.org/presentationml/2006/main">
   <p:cSld>
     <p:bg>
@@ -7262,771 +8933,6 @@
     <p:extLst>
       <p:ext uri="{BB962C8B-B14F-4D97-AF65-F5344CB8AC3E}">
         <p14:creationId xmlns:p14="http://schemas.microsoft.com/office/powerpoint/2010/main" val="56285536"/>
-      </p:ext>
-    </p:extLst>
-  </p:cSld>
-  <p:clrMapOvr>
-    <a:masterClrMapping/>
-  </p:clrMapOvr>
-</p:sld>
-</file>
-
-<file path=ppt/slides/slide8.xml><?xml version="1.0" encoding="utf-8"?>
-<p:sld xmlns:a="http://schemas.openxmlformats.org/drawingml/2006/main" xmlns:r="http://schemas.openxmlformats.org/officeDocument/2006/relationships" xmlns:p="http://schemas.openxmlformats.org/presentationml/2006/main">
-  <p:cSld>
-    <p:spTree>
-      <p:nvGrpSpPr>
-        <p:cNvPr id="1" name=""/>
-        <p:cNvGrpSpPr/>
-        <p:nvPr/>
-      </p:nvGrpSpPr>
-      <p:grpSpPr>
-        <a:xfrm>
-          <a:off x="0" y="0"/>
-          <a:ext cx="0" cy="0"/>
-          <a:chOff x="0" y="0"/>
-          <a:chExt cx="0" cy="0"/>
-        </a:xfrm>
-      </p:grpSpPr>
-      <p:pic>
-        <p:nvPicPr>
-          <p:cNvPr id="4" name="Content Placeholder 3"/>
-          <p:cNvPicPr>
-            <a:picLocks noGrp="1" noChangeAspect="1"/>
-          </p:cNvPicPr>
-          <p:nvPr>
-            <p:ph idx="1"/>
-          </p:nvPr>
-        </p:nvPicPr>
-        <p:blipFill>
-          <a:blip r:embed="rId2">
-            <a:extLst>
-              <a:ext uri="{28A0092B-C50C-407E-A947-70E740481C1C}">
-                <a14:useLocalDpi xmlns:a14="http://schemas.microsoft.com/office/drawing/2010/main" val="0"/>
-              </a:ext>
-            </a:extLst>
-          </a:blip>
-          <a:stretch>
-            <a:fillRect/>
-          </a:stretch>
-        </p:blipFill>
-        <p:spPr>
-          <a:xfrm>
-            <a:off x="1454727" y="516359"/>
-            <a:ext cx="9601200" cy="2821816"/>
-          </a:xfrm>
-        </p:spPr>
-      </p:pic>
-      <p:sp>
-        <p:nvSpPr>
-          <p:cNvPr id="6" name="Content Placeholder 2"/>
-          <p:cNvSpPr txBox="1">
-            <a:spLocks/>
-          </p:cNvSpPr>
-          <p:nvPr/>
-        </p:nvSpPr>
-        <p:spPr>
-          <a:xfrm>
-            <a:off x="1371600" y="4073236"/>
-            <a:ext cx="6572992" cy="2367144"/>
-          </a:xfrm>
-          <a:prstGeom prst="rect">
-            <a:avLst/>
-          </a:prstGeom>
-        </p:spPr>
-        <p:txBody>
-          <a:bodyPr vert="horz" lIns="91440" tIns="45720" rIns="91440" bIns="45720" rtlCol="0">
-            <a:normAutofit/>
-          </a:bodyPr>
-          <a:lstStyle>
-            <a:lvl1pPr marL="384048" indent="-384048" algn="l" defTabSz="914400" rtl="0" eaLnBrk="1" latinLnBrk="0" hangingPunct="1">
-              <a:lnSpc>
-                <a:spcPct val="94000"/>
-              </a:lnSpc>
-              <a:spcBef>
-                <a:spcPts val="1000"/>
-              </a:spcBef>
-              <a:spcAft>
-                <a:spcPts val="200"/>
-              </a:spcAft>
-              <a:buFont typeface="Franklin Gothic Book" panose="020B0503020102020204" pitchFamily="34" charset="0"/>
-              <a:buChar char="■"/>
-              <a:defRPr sz="2000" kern="1200" baseline="0">
-                <a:solidFill>
-                  <a:schemeClr val="tx2"/>
-                </a:solidFill>
-                <a:latin typeface="+mn-lt"/>
-                <a:ea typeface="+mn-ea"/>
-                <a:cs typeface="+mn-cs"/>
-              </a:defRPr>
-            </a:lvl1pPr>
-            <a:lvl2pPr marL="384048" indent="-384048" algn="l" defTabSz="914400" rtl="0" eaLnBrk="1" latinLnBrk="0" hangingPunct="1">
-              <a:lnSpc>
-                <a:spcPct val="94000"/>
-              </a:lnSpc>
-              <a:spcBef>
-                <a:spcPts val="500"/>
-              </a:spcBef>
-              <a:spcAft>
-                <a:spcPts val="200"/>
-              </a:spcAft>
-              <a:buFont typeface="Franklin Gothic Book" panose="020B0503020102020204" pitchFamily="34" charset="0"/>
-              <a:buChar char="–"/>
-              <a:defRPr sz="2000" i="1" kern="1200" baseline="0">
-                <a:solidFill>
-                  <a:schemeClr val="tx2"/>
-                </a:solidFill>
-                <a:latin typeface="+mn-lt"/>
-                <a:ea typeface="+mn-ea"/>
-                <a:cs typeface="+mn-cs"/>
-              </a:defRPr>
-            </a:lvl2pPr>
-            <a:lvl3pPr marL="384048" indent="-384048" algn="l" defTabSz="914400" rtl="0" eaLnBrk="1" latinLnBrk="0" hangingPunct="1">
-              <a:lnSpc>
-                <a:spcPct val="94000"/>
-              </a:lnSpc>
-              <a:spcBef>
-                <a:spcPts val="500"/>
-              </a:spcBef>
-              <a:spcAft>
-                <a:spcPts val="200"/>
-              </a:spcAft>
-              <a:buFont typeface="Franklin Gothic Book" panose="020B0503020102020204" pitchFamily="34" charset="0"/>
-              <a:buChar char="■"/>
-              <a:defRPr sz="1800" kern="1200" baseline="0">
-                <a:solidFill>
-                  <a:schemeClr val="tx2"/>
-                </a:solidFill>
-                <a:latin typeface="+mn-lt"/>
-                <a:ea typeface="+mn-ea"/>
-                <a:cs typeface="+mn-cs"/>
-              </a:defRPr>
-            </a:lvl3pPr>
-            <a:lvl4pPr marL="384048" indent="-384048" algn="l" defTabSz="914400" rtl="0" eaLnBrk="1" latinLnBrk="0" hangingPunct="1">
-              <a:lnSpc>
-                <a:spcPct val="94000"/>
-              </a:lnSpc>
-              <a:spcBef>
-                <a:spcPts val="500"/>
-              </a:spcBef>
-              <a:spcAft>
-                <a:spcPts val="200"/>
-              </a:spcAft>
-              <a:buFont typeface="Franklin Gothic Book" panose="020B0503020102020204" pitchFamily="34" charset="0"/>
-              <a:buChar char="–"/>
-              <a:defRPr sz="1800" i="1" kern="1200" baseline="0">
-                <a:solidFill>
-                  <a:schemeClr val="tx2"/>
-                </a:solidFill>
-                <a:latin typeface="+mn-lt"/>
-                <a:ea typeface="+mn-ea"/>
-                <a:cs typeface="+mn-cs"/>
-              </a:defRPr>
-            </a:lvl4pPr>
-            <a:lvl5pPr marL="384048" indent="-384048" algn="l" defTabSz="914400" rtl="0" eaLnBrk="1" latinLnBrk="0" hangingPunct="1">
-              <a:lnSpc>
-                <a:spcPct val="94000"/>
-              </a:lnSpc>
-              <a:spcBef>
-                <a:spcPts val="500"/>
-              </a:spcBef>
-              <a:spcAft>
-                <a:spcPts val="200"/>
-              </a:spcAft>
-              <a:buFont typeface="Franklin Gothic Book" panose="020B0503020102020204" pitchFamily="34" charset="0"/>
-              <a:buChar char="■"/>
-              <a:defRPr sz="1600" kern="1200" baseline="0">
-                <a:solidFill>
-                  <a:schemeClr val="tx2"/>
-                </a:solidFill>
-                <a:latin typeface="+mn-lt"/>
-                <a:ea typeface="+mn-ea"/>
-                <a:cs typeface="+mn-cs"/>
-              </a:defRPr>
-            </a:lvl5pPr>
-            <a:lvl6pPr marL="384048" indent="-384048" algn="l" defTabSz="914400" rtl="0" eaLnBrk="1" latinLnBrk="0" hangingPunct="1">
-              <a:lnSpc>
-                <a:spcPct val="94000"/>
-              </a:lnSpc>
-              <a:spcBef>
-                <a:spcPts val="500"/>
-              </a:spcBef>
-              <a:spcAft>
-                <a:spcPts val="200"/>
-              </a:spcAft>
-              <a:buFont typeface="Franklin Gothic Book" panose="020B0503020102020204" pitchFamily="34" charset="0"/>
-              <a:buChar char="–"/>
-              <a:defRPr sz="1600" i="1" kern="1200" baseline="0">
-                <a:solidFill>
-                  <a:schemeClr val="tx2"/>
-                </a:solidFill>
-                <a:latin typeface="+mn-lt"/>
-                <a:ea typeface="+mn-ea"/>
-                <a:cs typeface="+mn-cs"/>
-              </a:defRPr>
-            </a:lvl6pPr>
-            <a:lvl7pPr marL="384048" indent="-384048" algn="l" defTabSz="914400" rtl="0" eaLnBrk="1" latinLnBrk="0" hangingPunct="1">
-              <a:lnSpc>
-                <a:spcPct val="94000"/>
-              </a:lnSpc>
-              <a:spcBef>
-                <a:spcPts val="500"/>
-              </a:spcBef>
-              <a:spcAft>
-                <a:spcPts val="200"/>
-              </a:spcAft>
-              <a:buFont typeface="Franklin Gothic Book" panose="020B0503020102020204" pitchFamily="34" charset="0"/>
-              <a:buChar char="■"/>
-              <a:defRPr sz="1400" kern="1200" baseline="0">
-                <a:solidFill>
-                  <a:schemeClr val="tx2"/>
-                </a:solidFill>
-                <a:latin typeface="+mn-lt"/>
-                <a:ea typeface="+mn-ea"/>
-                <a:cs typeface="+mn-cs"/>
-              </a:defRPr>
-            </a:lvl7pPr>
-            <a:lvl8pPr marL="384048" indent="-384048" algn="l" defTabSz="914400" rtl="0" eaLnBrk="1" latinLnBrk="0" hangingPunct="1">
-              <a:lnSpc>
-                <a:spcPct val="94000"/>
-              </a:lnSpc>
-              <a:spcBef>
-                <a:spcPts val="500"/>
-              </a:spcBef>
-              <a:spcAft>
-                <a:spcPts val="200"/>
-              </a:spcAft>
-              <a:buFont typeface="Franklin Gothic Book" panose="020B0503020102020204" pitchFamily="34" charset="0"/>
-              <a:buChar char="–"/>
-              <a:defRPr sz="1400" i="1" kern="1200" baseline="0">
-                <a:solidFill>
-                  <a:schemeClr val="tx2"/>
-                </a:solidFill>
-                <a:latin typeface="+mn-lt"/>
-                <a:ea typeface="+mn-ea"/>
-                <a:cs typeface="+mn-cs"/>
-              </a:defRPr>
-            </a:lvl8pPr>
-            <a:lvl9pPr marL="384048" indent="-384048" algn="l" defTabSz="914400" rtl="0" eaLnBrk="1" latinLnBrk="0" hangingPunct="1">
-              <a:lnSpc>
-                <a:spcPct val="94000"/>
-              </a:lnSpc>
-              <a:spcBef>
-                <a:spcPts val="500"/>
-              </a:spcBef>
-              <a:spcAft>
-                <a:spcPts val="200"/>
-              </a:spcAft>
-              <a:buFont typeface="Franklin Gothic Book" panose="020B0503020102020204" pitchFamily="34" charset="0"/>
-              <a:buChar char="■"/>
-              <a:defRPr sz="1400" kern="1200" baseline="0">
-                <a:solidFill>
-                  <a:schemeClr val="tx2"/>
-                </a:solidFill>
-                <a:latin typeface="+mn-lt"/>
-                <a:ea typeface="+mn-ea"/>
-                <a:cs typeface="+mn-cs"/>
-              </a:defRPr>
-            </a:lvl9pPr>
-          </a:lstStyle>
-          <a:p>
-            <a:r>
-              <a:rPr lang="en-US" dirty="0"/>
-              <a:t>Menu Items </a:t>
-            </a:r>
-            <a:r>
-              <a:rPr lang="mr-IN" dirty="0"/>
-              <a:t>–</a:t>
-            </a:r>
-            <a:r>
-              <a:rPr lang="en-US" dirty="0"/>
-              <a:t> </a:t>
-            </a:r>
-            <a:r>
-              <a:rPr lang="en-US" dirty="0" err="1"/>
-              <a:t>tabName</a:t>
-            </a:r>
-            <a:r>
-              <a:rPr lang="en-US" dirty="0"/>
-              <a:t> referenced in body.</a:t>
-            </a:r>
-          </a:p>
-          <a:p>
-            <a:r>
-              <a:rPr lang="en-US" dirty="0"/>
-              <a:t>Global Inputs </a:t>
-            </a:r>
-            <a:r>
-              <a:rPr lang="mr-IN" dirty="0"/>
-              <a:t>–</a:t>
-            </a:r>
-            <a:r>
-              <a:rPr lang="en-US" dirty="0"/>
-              <a:t> Should work on all tabs and for all visuals.</a:t>
-            </a:r>
-          </a:p>
-        </p:txBody>
-      </p:sp>
-    </p:spTree>
-    <p:extLst>
-      <p:ext uri="{BB962C8B-B14F-4D97-AF65-F5344CB8AC3E}">
-        <p14:creationId xmlns:p14="http://schemas.microsoft.com/office/powerpoint/2010/main" val="187690362"/>
-      </p:ext>
-    </p:extLst>
-  </p:cSld>
-  <p:clrMapOvr>
-    <a:masterClrMapping/>
-  </p:clrMapOvr>
-</p:sld>
-</file>
-
-<file path=ppt/slides/slide9.xml><?xml version="1.0" encoding="utf-8"?>
-<p:sld xmlns:a="http://schemas.openxmlformats.org/drawingml/2006/main" xmlns:r="http://schemas.openxmlformats.org/officeDocument/2006/relationships" xmlns:p="http://schemas.openxmlformats.org/presentationml/2006/main">
-  <p:cSld>
-    <p:bg>
-      <p:bgPr>
-        <a:solidFill>
-          <a:schemeClr val="bg2"/>
-        </a:solidFill>
-        <a:effectLst/>
-      </p:bgPr>
-    </p:bg>
-    <p:spTree>
-      <p:nvGrpSpPr>
-        <p:cNvPr id="1" name=""/>
-        <p:cNvGrpSpPr/>
-        <p:nvPr/>
-      </p:nvGrpSpPr>
-      <p:grpSpPr>
-        <a:xfrm>
-          <a:off x="0" y="0"/>
-          <a:ext cx="0" cy="0"/>
-          <a:chOff x="0" y="0"/>
-          <a:chExt cx="0" cy="0"/>
-        </a:xfrm>
-      </p:grpSpPr>
-      <p:sp>
-        <p:nvSpPr>
-          <p:cNvPr id="9" name="Rectangle 8"/>
-          <p:cNvSpPr>
-            <a:spLocks noGrp="1" noRot="1" noChangeAspect="1" noMove="1" noResize="1" noEditPoints="1" noAdjustHandles="1" noChangeArrowheads="1" noChangeShapeType="1" noTextEdit="1"/>
-          </p:cNvSpPr>
-          <p:nvPr>
-            <p:extLst>
-              <p:ext uri="{386F3935-93C4-4BCD-93E2-E3B085C9AB24}">
-                <p16:designElem xmlns:p16="http://schemas.microsoft.com/office/powerpoint/2015/main" val="1"/>
-              </p:ext>
-            </p:extLst>
-          </p:nvPr>
-        </p:nvSpPr>
-        <p:spPr bwMode="white">
-          <a:xfrm>
-            <a:off x="0" y="0"/>
-            <a:ext cx="12192000" cy="6858000"/>
-          </a:xfrm>
-          <a:prstGeom prst="rect">
-            <a:avLst/>
-          </a:prstGeom>
-          <a:solidFill>
-            <a:schemeClr val="bg2"/>
-          </a:solidFill>
-          <a:effectLst/>
-        </p:spPr>
-      </p:sp>
-      <p:grpSp>
-        <p:nvGrpSpPr>
-          <p:cNvPr id="11" name="Group 10"/>
-          <p:cNvGrpSpPr>
-            <a:grpSpLocks noGrp="1" noUngrp="1" noRot="1" noChangeAspect="1" noMove="1" noResize="1"/>
-          </p:cNvGrpSpPr>
-          <p:nvPr>
-            <p:extLst>
-              <p:ext uri="{386F3935-93C4-4BCD-93E2-E3B085C9AB24}">
-                <p16:designElem xmlns:p16="http://schemas.microsoft.com/office/powerpoint/2015/main" val="1"/>
-              </p:ext>
-            </p:extLst>
-          </p:nvPr>
-        </p:nvGrpSpPr>
-        <p:grpSpPr>
-          <a:xfrm>
-            <a:off x="752858" y="744469"/>
-            <a:ext cx="10674117" cy="5349671"/>
-            <a:chOff x="752858" y="744469"/>
-            <a:chExt cx="10674117" cy="5349671"/>
-          </a:xfrm>
-        </p:grpSpPr>
-        <p:sp>
-          <p:nvSpPr>
-            <p:cNvPr id="12" name="Freeform 6"/>
-            <p:cNvSpPr/>
-            <p:nvPr>
-              <p:extLst>
-                <p:ext uri="{386F3935-93C4-4BCD-93E2-E3B085C9AB24}">
-                  <p16:designElem xmlns:p16="http://schemas.microsoft.com/office/powerpoint/2015/main" val="1"/>
-                </p:ext>
-              </p:extLst>
-            </p:nvPr>
-          </p:nvSpPr>
-          <p:spPr bwMode="auto">
-            <a:xfrm>
-              <a:off x="8151962" y="1685652"/>
-              <a:ext cx="3275013" cy="4408488"/>
-            </a:xfrm>
-            <a:custGeom>
-              <a:avLst/>
-              <a:gdLst/>
-              <a:ahLst/>
-              <a:cxnLst/>
-              <a:rect l="l" t="t" r="r" b="b"/>
-              <a:pathLst>
-                <a:path w="10000" h="10000">
-                  <a:moveTo>
-                    <a:pt x="8761" y="0"/>
-                  </a:moveTo>
-                  <a:lnTo>
-                    <a:pt x="10000" y="0"/>
-                  </a:lnTo>
-                  <a:lnTo>
-                    <a:pt x="10000" y="10000"/>
-                  </a:lnTo>
-                  <a:lnTo>
-                    <a:pt x="0" y="10000"/>
-                  </a:lnTo>
-                  <a:lnTo>
-                    <a:pt x="0" y="9126"/>
-                  </a:lnTo>
-                  <a:lnTo>
-                    <a:pt x="8761" y="9127"/>
-                  </a:lnTo>
-                  <a:lnTo>
-                    <a:pt x="8761" y="0"/>
-                  </a:lnTo>
-                  <a:close/>
-                </a:path>
-              </a:pathLst>
-            </a:custGeom>
-            <a:solidFill>
-              <a:schemeClr val="tx2"/>
-            </a:solidFill>
-            <a:ln w="0">
-              <a:noFill/>
-              <a:prstDash val="solid"/>
-              <a:round/>
-              <a:headEnd/>
-              <a:tailEnd/>
-            </a:ln>
-          </p:spPr>
-        </p:sp>
-        <p:sp>
-          <p:nvSpPr>
-            <p:cNvPr id="13" name="Freeform 6"/>
-            <p:cNvSpPr/>
-            <p:nvPr>
-              <p:extLst>
-                <p:ext uri="{386F3935-93C4-4BCD-93E2-E3B085C9AB24}">
-                  <p16:designElem xmlns:p16="http://schemas.microsoft.com/office/powerpoint/2015/main" val="1"/>
-                </p:ext>
-              </p:extLst>
-            </p:nvPr>
-          </p:nvSpPr>
-          <p:spPr bwMode="auto">
-            <a:xfrm flipH="1" flipV="1">
-              <a:off x="752858" y="744469"/>
-              <a:ext cx="3275668" cy="4408488"/>
-            </a:xfrm>
-            <a:custGeom>
-              <a:avLst/>
-              <a:gdLst/>
-              <a:ahLst/>
-              <a:cxnLst/>
-              <a:rect l="l" t="t" r="r" b="b"/>
-              <a:pathLst>
-                <a:path w="10002" h="10000">
-                  <a:moveTo>
-                    <a:pt x="8763" y="0"/>
-                  </a:moveTo>
-                  <a:lnTo>
-                    <a:pt x="10002" y="0"/>
-                  </a:lnTo>
-                  <a:lnTo>
-                    <a:pt x="10002" y="10000"/>
-                  </a:lnTo>
-                  <a:lnTo>
-                    <a:pt x="2" y="10000"/>
-                  </a:lnTo>
-                  <a:cubicBezTo>
-                    <a:pt x="-2" y="9698"/>
-                    <a:pt x="4" y="9427"/>
-                    <a:pt x="0" y="9125"/>
-                  </a:cubicBezTo>
-                  <a:lnTo>
-                    <a:pt x="8763" y="9128"/>
-                  </a:lnTo>
-                  <a:lnTo>
-                    <a:pt x="8763" y="0"/>
-                  </a:lnTo>
-                  <a:close/>
-                </a:path>
-              </a:pathLst>
-            </a:custGeom>
-            <a:solidFill>
-              <a:schemeClr val="tx2"/>
-            </a:solidFill>
-            <a:ln w="0">
-              <a:noFill/>
-              <a:prstDash val="solid"/>
-              <a:round/>
-              <a:headEnd/>
-              <a:tailEnd/>
-            </a:ln>
-          </p:spPr>
-        </p:sp>
-      </p:grpSp>
-      <p:sp useBgFill="1">
-        <p:nvSpPr>
-          <p:cNvPr id="15" name="Rectangle 14"/>
-          <p:cNvSpPr>
-            <a:spLocks noGrp="1" noRot="1" noChangeAspect="1" noMove="1" noResize="1" noEditPoints="1" noAdjustHandles="1" noChangeArrowheads="1" noChangeShapeType="1" noTextEdit="1"/>
-          </p:cNvSpPr>
-          <p:nvPr>
-            <p:extLst>
-              <p:ext uri="{386F3935-93C4-4BCD-93E2-E3B085C9AB24}">
-                <p16:designElem xmlns:p16="http://schemas.microsoft.com/office/powerpoint/2015/main" val="1"/>
-              </p:ext>
-            </p:extLst>
-          </p:nvPr>
-        </p:nvSpPr>
-        <p:spPr>
-          <a:xfrm>
-            <a:off x="0" y="0"/>
-            <a:ext cx="12192000" cy="6858000"/>
-          </a:xfrm>
-          <a:prstGeom prst="rect">
-            <a:avLst/>
-          </a:prstGeom>
-          <a:ln>
-            <a:noFill/>
-          </a:ln>
-        </p:spPr>
-        <p:style>
-          <a:lnRef idx="2">
-            <a:schemeClr val="accent1">
-              <a:shade val="50000"/>
-            </a:schemeClr>
-          </a:lnRef>
-          <a:fillRef idx="1001">
-            <a:schemeClr val="lt2"/>
-          </a:fillRef>
-          <a:effectRef idx="0">
-            <a:schemeClr val="accent1"/>
-          </a:effectRef>
-          <a:fontRef idx="minor">
-            <a:schemeClr val="lt1"/>
-          </a:fontRef>
-        </p:style>
-        <p:txBody>
-          <a:bodyPr rtlCol="0" anchor="ctr"/>
-          <a:lstStyle/>
-          <a:p>
-            <a:pPr algn="ctr"/>
-            <a:endParaRPr lang="en-US"/>
-          </a:p>
-        </p:txBody>
-      </p:sp>
-      <p:sp>
-        <p:nvSpPr>
-          <p:cNvPr id="17" name="Freeform 6"/>
-          <p:cNvSpPr>
-            <a:spLocks noGrp="1" noRot="1" noChangeAspect="1" noMove="1" noResize="1" noEditPoints="1" noAdjustHandles="1" noChangeArrowheads="1" noChangeShapeType="1" noTextEdit="1"/>
-          </p:cNvSpPr>
-          <p:nvPr>
-            <p:extLst>
-              <p:ext uri="{386F3935-93C4-4BCD-93E2-E3B085C9AB24}">
-                <p16:designElem xmlns:p16="http://schemas.microsoft.com/office/powerpoint/2015/main" val="1"/>
-              </p:ext>
-            </p:extLst>
-          </p:nvPr>
-        </p:nvSpPr>
-        <p:spPr bwMode="auto">
-          <a:xfrm>
-            <a:off x="4494670" y="2016617"/>
-            <a:ext cx="3275013" cy="4408488"/>
-          </a:xfrm>
-          <a:custGeom>
-            <a:avLst/>
-            <a:gdLst/>
-            <a:ahLst/>
-            <a:cxnLst/>
-            <a:rect l="l" t="t" r="r" b="b"/>
-            <a:pathLst>
-              <a:path w="10000" h="10000">
-                <a:moveTo>
-                  <a:pt x="8761" y="0"/>
-                </a:moveTo>
-                <a:lnTo>
-                  <a:pt x="10000" y="0"/>
-                </a:lnTo>
-                <a:lnTo>
-                  <a:pt x="10000" y="10000"/>
-                </a:lnTo>
-                <a:lnTo>
-                  <a:pt x="0" y="10000"/>
-                </a:lnTo>
-                <a:lnTo>
-                  <a:pt x="0" y="9126"/>
-                </a:lnTo>
-                <a:lnTo>
-                  <a:pt x="8761" y="9127"/>
-                </a:lnTo>
-                <a:lnTo>
-                  <a:pt x="8761" y="0"/>
-                </a:lnTo>
-                <a:close/>
-              </a:path>
-            </a:pathLst>
-          </a:custGeom>
-          <a:solidFill>
-            <a:schemeClr val="tx2"/>
-          </a:solidFill>
-          <a:ln w="0">
-            <a:noFill/>
-            <a:prstDash val="solid"/>
-            <a:round/>
-            <a:headEnd/>
-            <a:tailEnd/>
-          </a:ln>
-        </p:spPr>
-      </p:sp>
-      <p:sp>
-        <p:nvSpPr>
-          <p:cNvPr id="19" name="Freeform 6"/>
-          <p:cNvSpPr>
-            <a:spLocks noGrp="1" noRot="1" noChangeAspect="1" noMove="1" noResize="1" noEditPoints="1" noAdjustHandles="1" noChangeArrowheads="1" noChangeShapeType="1" noTextEdit="1"/>
-          </p:cNvSpPr>
-          <p:nvPr>
-            <p:extLst>
-              <p:ext uri="{386F3935-93C4-4BCD-93E2-E3B085C9AB24}">
-                <p16:designElem xmlns:p16="http://schemas.microsoft.com/office/powerpoint/2015/main" val="1"/>
-              </p:ext>
-            </p:extLst>
-          </p:nvPr>
-        </p:nvSpPr>
-        <p:spPr bwMode="auto">
-          <a:xfrm flipH="1" flipV="1">
-            <a:off x="649163" y="634028"/>
-            <a:ext cx="3275668" cy="4408488"/>
-          </a:xfrm>
-          <a:custGeom>
-            <a:avLst/>
-            <a:gdLst/>
-            <a:ahLst/>
-            <a:cxnLst/>
-            <a:rect l="l" t="t" r="r" b="b"/>
-            <a:pathLst>
-              <a:path w="10002" h="10000">
-                <a:moveTo>
-                  <a:pt x="8763" y="0"/>
-                </a:moveTo>
-                <a:lnTo>
-                  <a:pt x="10002" y="0"/>
-                </a:lnTo>
-                <a:lnTo>
-                  <a:pt x="10002" y="10000"/>
-                </a:lnTo>
-                <a:lnTo>
-                  <a:pt x="2" y="10000"/>
-                </a:lnTo>
-                <a:cubicBezTo>
-                  <a:pt x="-2" y="9698"/>
-                  <a:pt x="4" y="9427"/>
-                  <a:pt x="0" y="9125"/>
-                </a:cubicBezTo>
-                <a:lnTo>
-                  <a:pt x="8763" y="9128"/>
-                </a:lnTo>
-                <a:lnTo>
-                  <a:pt x="8763" y="0"/>
-                </a:lnTo>
-                <a:close/>
-              </a:path>
-            </a:pathLst>
-          </a:custGeom>
-          <a:solidFill>
-            <a:schemeClr val="tx2"/>
-          </a:solidFill>
-          <a:ln w="0">
-            <a:noFill/>
-            <a:prstDash val="solid"/>
-            <a:round/>
-            <a:headEnd/>
-            <a:tailEnd/>
-          </a:ln>
-        </p:spPr>
-      </p:sp>
-      <p:pic>
-        <p:nvPicPr>
-          <p:cNvPr id="4" name="Picture 3"/>
-          <p:cNvPicPr>
-            <a:picLocks noChangeAspect="1"/>
-          </p:cNvPicPr>
-          <p:nvPr/>
-        </p:nvPicPr>
-        <p:blipFill>
-          <a:blip r:embed="rId2">
-            <a:extLst>
-              <a:ext uri="{28A0092B-C50C-407E-A947-70E740481C1C}">
-                <a14:useLocalDpi xmlns:a14="http://schemas.microsoft.com/office/drawing/2010/main" val="0"/>
-              </a:ext>
-            </a:extLst>
-          </a:blip>
-          <a:stretch>
-            <a:fillRect/>
-          </a:stretch>
-        </p:blipFill>
-        <p:spPr>
-          <a:xfrm>
-            <a:off x="1379023" y="1470054"/>
-            <a:ext cx="5659222" cy="4117083"/>
-          </a:xfrm>
-          <a:prstGeom prst="rect">
-            <a:avLst/>
-          </a:prstGeom>
-        </p:spPr>
-      </p:pic>
-      <p:sp>
-        <p:nvSpPr>
-          <p:cNvPr id="2" name="Title 1"/>
-          <p:cNvSpPr>
-            <a:spLocks noGrp="1"/>
-          </p:cNvSpPr>
-          <p:nvPr>
-            <p:ph type="title"/>
-          </p:nvPr>
-        </p:nvSpPr>
-        <p:spPr>
-          <a:xfrm>
-            <a:off x="8154186" y="634028"/>
-            <a:ext cx="3355942" cy="3732835"/>
-          </a:xfrm>
-        </p:spPr>
-        <p:txBody>
-          <a:bodyPr vert="horz" lIns="91440" tIns="45720" rIns="91440" bIns="45720" rtlCol="0" anchor="b">
-            <a:normAutofit/>
-          </a:bodyPr>
-          <a:lstStyle/>
-          <a:p>
-            <a:pPr algn="ctr"/>
-            <a:r>
-              <a:rPr lang="en-US" sz="6600"/>
-              <a:t>Body</a:t>
-            </a:r>
-          </a:p>
-        </p:txBody>
-      </p:sp>
-    </p:spTree>
-    <p:extLst>
-      <p:ext uri="{BB962C8B-B14F-4D97-AF65-F5344CB8AC3E}">
-        <p14:creationId xmlns:p14="http://schemas.microsoft.com/office/powerpoint/2010/main" val="2885880488"/>
       </p:ext>
     </p:extLst>
   </p:cSld>
